--- a/01_FoundationProjects/04_Car-3_Constant_Speed_1M/04_Car-3_Constant_Speed_1M.pptx
+++ b/01_FoundationProjects/04_Car-3_Constant_Speed_1M/04_Car-3_Constant_Speed_1M.pptx
@@ -157,7 +157,7 @@
       </p:grpSpPr>
       <p:sp>
         <p:nvSpPr>
-          <p:cNvPr id="1394815552" name="Header Placeholder 1"/>
+          <p:cNvPr id="548061315" name="Header Placeholder 1"/>
           <p:cNvSpPr>
             <a:spLocks noGrp="1"/>
           </p:cNvSpPr>
@@ -191,7 +191,7 @@
       </p:sp>
       <p:sp>
         <p:nvSpPr>
-          <p:cNvPr id="1734369173" name="Date Placeholder 2"/>
+          <p:cNvPr id="223553650" name="Date Placeholder 2"/>
           <p:cNvSpPr>
             <a:spLocks noGrp="1"/>
           </p:cNvSpPr>
@@ -225,7 +225,7 @@
       </p:sp>
       <p:sp>
         <p:nvSpPr>
-          <p:cNvPr id="422141792" name="Date Placeholder 2"/>
+          <p:cNvPr id="1102123800" name="Date Placeholder 2"/>
           <p:cNvSpPr>
             <a:spLocks noGrp="1"/>
           </p:cNvSpPr>
@@ -259,7 +259,7 @@
       </p:sp>
       <p:sp>
         <p:nvSpPr>
-          <p:cNvPr id="940398050" name="Notes Placeholder 4"/>
+          <p:cNvPr id="2013457928" name="Notes Placeholder 4"/>
           <p:cNvSpPr>
             <a:spLocks noGrp="1"/>
           </p:cNvSpPr>
@@ -289,7 +289,7 @@
       </p:sp>
       <p:sp>
         <p:nvSpPr>
-          <p:cNvPr id="432673261" name="Footer Placeholder 5"/>
+          <p:cNvPr id="1982055658" name="Footer Placeholder 5"/>
           <p:cNvSpPr>
             <a:spLocks noGrp="1"/>
           </p:cNvSpPr>
@@ -323,7 +323,7 @@
       </p:sp>
       <p:sp>
         <p:nvSpPr>
-          <p:cNvPr id="850864086" name="Slide Number Placeholder 6"/>
+          <p:cNvPr id="1174907259" name="Slide Number Placeholder 6"/>
           <p:cNvSpPr>
             <a:spLocks noGrp="1"/>
           </p:cNvSpPr>
@@ -472,7 +472,7 @@
       </p:grpSpPr>
       <p:sp>
         <p:nvSpPr>
-          <p:cNvPr id="1126731259" name="Slide Image Placeholder 1"/>
+          <p:cNvPr id="774877203" name="Slide Image Placeholder 1"/>
           <p:cNvSpPr>
             <a:spLocks noChangeAspect="1" noGrp="1" noRot="1"/>
           </p:cNvSpPr>
@@ -484,7 +484,7 @@
       </p:sp>
       <p:sp>
         <p:nvSpPr>
-          <p:cNvPr id="1814502505" name="Notes Placeholder 2"/>
+          <p:cNvPr id="1469986438" name="Notes Placeholder 2"/>
           <p:cNvSpPr>
             <a:spLocks noGrp="1"/>
           </p:cNvSpPr>
@@ -506,7 +506,7 @@
       </p:sp>
       <p:sp>
         <p:nvSpPr>
-          <p:cNvPr id="1071878940" name="Slide Number Placeholder 3"/>
+          <p:cNvPr id="806133924" name="Slide Number Placeholder 3"/>
           <p:cNvSpPr>
             <a:spLocks noGrp="1"/>
           </p:cNvSpPr>
@@ -554,7 +554,7 @@
       </p:grpSpPr>
       <p:sp>
         <p:nvSpPr>
-          <p:cNvPr id="1443950283" name="Slide Image Placeholder 1"/>
+          <p:cNvPr id="582140157" name="Slide Image Placeholder 1"/>
           <p:cNvSpPr>
             <a:spLocks noChangeAspect="1" noGrp="1" noRot="1"/>
           </p:cNvSpPr>
@@ -566,7 +566,7 @@
       </p:sp>
       <p:sp>
         <p:nvSpPr>
-          <p:cNvPr id="1393117726" name="Notes Placeholder 2"/>
+          <p:cNvPr id="1770513107" name="Notes Placeholder 2"/>
           <p:cNvSpPr>
             <a:spLocks noGrp="1"/>
           </p:cNvSpPr>
@@ -588,7 +588,7 @@
       </p:sp>
       <p:sp>
         <p:nvSpPr>
-          <p:cNvPr id="1910211692" name="Slide Number Placeholder 3"/>
+          <p:cNvPr id="558978796" name="Slide Number Placeholder 3"/>
           <p:cNvSpPr>
             <a:spLocks noGrp="1"/>
           </p:cNvSpPr>
@@ -636,7 +636,7 @@
       </p:grpSpPr>
       <p:sp>
         <p:nvSpPr>
-          <p:cNvPr id="703077903" name="Slide Image Placeholder 1"/>
+          <p:cNvPr id="1329808487" name="Slide Image Placeholder 1"/>
           <p:cNvSpPr>
             <a:spLocks noChangeAspect="1" noGrp="1" noRot="1"/>
           </p:cNvSpPr>
@@ -648,7 +648,7 @@
       </p:sp>
       <p:sp>
         <p:nvSpPr>
-          <p:cNvPr id="301885018" name="Notes Placeholder 2"/>
+          <p:cNvPr id="2141676381" name="Notes Placeholder 2"/>
           <p:cNvSpPr>
             <a:spLocks noGrp="1"/>
           </p:cNvSpPr>
@@ -670,7 +670,7 @@
       </p:sp>
       <p:sp>
         <p:nvSpPr>
-          <p:cNvPr id="1153776400" name="Slide Number Placeholder 3"/>
+          <p:cNvPr id="85279910" name="Slide Number Placeholder 3"/>
           <p:cNvSpPr>
             <a:spLocks noGrp="1"/>
           </p:cNvSpPr>
@@ -718,7 +718,7 @@
       </p:grpSpPr>
       <p:sp>
         <p:nvSpPr>
-          <p:cNvPr id="693040066" name="Slide Image Placeholder 1"/>
+          <p:cNvPr id="901604519" name="Slide Image Placeholder 1"/>
           <p:cNvSpPr>
             <a:spLocks noChangeAspect="1" noGrp="1" noRot="1"/>
           </p:cNvSpPr>
@@ -730,7 +730,7 @@
       </p:sp>
       <p:sp>
         <p:nvSpPr>
-          <p:cNvPr id="1051348470" name="Notes Placeholder 2"/>
+          <p:cNvPr id="1548461069" name="Notes Placeholder 2"/>
           <p:cNvSpPr>
             <a:spLocks noGrp="1"/>
           </p:cNvSpPr>
@@ -752,7 +752,7 @@
       </p:sp>
       <p:sp>
         <p:nvSpPr>
-          <p:cNvPr id="442628948" name="Slide Number Placeholder 3"/>
+          <p:cNvPr id="1676422867" name="Slide Number Placeholder 3"/>
           <p:cNvSpPr>
             <a:spLocks noGrp="1"/>
           </p:cNvSpPr>
@@ -800,7 +800,7 @@
       </p:grpSpPr>
       <p:sp>
         <p:nvSpPr>
-          <p:cNvPr id="2101381816" name="Slide Image Placeholder 1"/>
+          <p:cNvPr id="1299546647" name="Slide Image Placeholder 1"/>
           <p:cNvSpPr>
             <a:spLocks noChangeAspect="1" noGrp="1" noRot="1"/>
           </p:cNvSpPr>
@@ -812,7 +812,7 @@
       </p:sp>
       <p:sp>
         <p:nvSpPr>
-          <p:cNvPr id="2298466" name="Notes Placeholder 2"/>
+          <p:cNvPr id="1129422940" name="Notes Placeholder 2"/>
           <p:cNvSpPr>
             <a:spLocks noGrp="1"/>
           </p:cNvSpPr>
@@ -834,7 +834,7 @@
       </p:sp>
       <p:sp>
         <p:nvSpPr>
-          <p:cNvPr id="197573080" name="Slide Number Placeholder 3"/>
+          <p:cNvPr id="1135051861" name="Slide Number Placeholder 3"/>
           <p:cNvSpPr>
             <a:spLocks noGrp="1"/>
           </p:cNvSpPr>
@@ -882,7 +882,7 @@
       </p:grpSpPr>
       <p:sp>
         <p:nvSpPr>
-          <p:cNvPr id="679456802" name="Slide Image Placeholder 1"/>
+          <p:cNvPr id="1502529452" name="Slide Image Placeholder 1"/>
           <p:cNvSpPr>
             <a:spLocks noChangeAspect="1" noGrp="1" noRot="1"/>
           </p:cNvSpPr>
@@ -894,7 +894,7 @@
       </p:sp>
       <p:sp>
         <p:nvSpPr>
-          <p:cNvPr id="1552179808" name="Notes Placeholder 2"/>
+          <p:cNvPr id="2122898029" name="Notes Placeholder 2"/>
           <p:cNvSpPr>
             <a:spLocks noGrp="1"/>
           </p:cNvSpPr>
@@ -916,7 +916,7 @@
       </p:sp>
       <p:sp>
         <p:nvSpPr>
-          <p:cNvPr id="1807314445" name="Slide Number Placeholder 3"/>
+          <p:cNvPr id="522562107" name="Slide Number Placeholder 3"/>
           <p:cNvSpPr>
             <a:spLocks noGrp="1"/>
           </p:cNvSpPr>
@@ -964,7 +964,7 @@
       </p:grpSpPr>
       <p:sp>
         <p:nvSpPr>
-          <p:cNvPr id="360724955" name="Slide Image Placeholder 1"/>
+          <p:cNvPr id="64880694" name="Slide Image Placeholder 1"/>
           <p:cNvSpPr>
             <a:spLocks noChangeAspect="1" noGrp="1" noRot="1"/>
           </p:cNvSpPr>
@@ -976,7 +976,7 @@
       </p:sp>
       <p:sp>
         <p:nvSpPr>
-          <p:cNvPr id="855328675" name="Notes Placeholder 2"/>
+          <p:cNvPr id="15793464" name="Notes Placeholder 2"/>
           <p:cNvSpPr>
             <a:spLocks noGrp="1"/>
           </p:cNvSpPr>
@@ -998,7 +998,7 @@
       </p:sp>
       <p:sp>
         <p:nvSpPr>
-          <p:cNvPr id="1924153159" name="Slide Number Placeholder 3"/>
+          <p:cNvPr id="55695957" name="Slide Number Placeholder 3"/>
           <p:cNvSpPr>
             <a:spLocks noGrp="1"/>
           </p:cNvSpPr>
@@ -1046,7 +1046,7 @@
       </p:grpSpPr>
       <p:sp>
         <p:nvSpPr>
-          <p:cNvPr id="24913632" name="Slide Image Placeholder 1"/>
+          <p:cNvPr id="1228735301" name="Slide Image Placeholder 1"/>
           <p:cNvSpPr>
             <a:spLocks noChangeAspect="1" noGrp="1" noRot="1"/>
           </p:cNvSpPr>
@@ -1058,7 +1058,7 @@
       </p:sp>
       <p:sp>
         <p:nvSpPr>
-          <p:cNvPr id="838800144" name="Notes Placeholder 2"/>
+          <p:cNvPr id="1386355251" name="Notes Placeholder 2"/>
           <p:cNvSpPr>
             <a:spLocks noGrp="1"/>
           </p:cNvSpPr>
@@ -1080,7 +1080,7 @@
       </p:sp>
       <p:sp>
         <p:nvSpPr>
-          <p:cNvPr id="952363656" name="Slide Number Placeholder 3"/>
+          <p:cNvPr id="230046167" name="Slide Number Placeholder 3"/>
           <p:cNvSpPr>
             <a:spLocks noGrp="1"/>
           </p:cNvSpPr>
@@ -1128,7 +1128,7 @@
       </p:grpSpPr>
       <p:sp>
         <p:nvSpPr>
-          <p:cNvPr id="1206623430" name="Slide Image Placeholder 1"/>
+          <p:cNvPr id="1045567975" name="Slide Image Placeholder 1"/>
           <p:cNvSpPr>
             <a:spLocks noChangeAspect="1" noGrp="1" noRot="1"/>
           </p:cNvSpPr>
@@ -1140,7 +1140,7 @@
       </p:sp>
       <p:sp>
         <p:nvSpPr>
-          <p:cNvPr id="1747089931" name="Notes Placeholder 2"/>
+          <p:cNvPr id="523268397" name="Notes Placeholder 2"/>
           <p:cNvSpPr>
             <a:spLocks noGrp="1"/>
           </p:cNvSpPr>
@@ -1162,7 +1162,7 @@
       </p:sp>
       <p:sp>
         <p:nvSpPr>
-          <p:cNvPr id="524744086" name="Slide Number Placeholder 3"/>
+          <p:cNvPr id="732865221" name="Slide Number Placeholder 3"/>
           <p:cNvSpPr>
             <a:spLocks noGrp="1"/>
           </p:cNvSpPr>
@@ -1210,7 +1210,7 @@
       </p:grpSpPr>
       <p:sp>
         <p:nvSpPr>
-          <p:cNvPr id="869710088" name="Slide Image Placeholder 1"/>
+          <p:cNvPr id="231404377" name="Slide Image Placeholder 1"/>
           <p:cNvSpPr>
             <a:spLocks noChangeAspect="1" noGrp="1" noRot="1"/>
           </p:cNvSpPr>
@@ -1222,7 +1222,7 @@
       </p:sp>
       <p:sp>
         <p:nvSpPr>
-          <p:cNvPr id="68596304" name="Notes Placeholder 2"/>
+          <p:cNvPr id="1046874302" name="Notes Placeholder 2"/>
           <p:cNvSpPr>
             <a:spLocks noGrp="1"/>
           </p:cNvSpPr>
@@ -1244,7 +1244,7 @@
       </p:sp>
       <p:sp>
         <p:nvSpPr>
-          <p:cNvPr id="1527146729" name="Slide Number Placeholder 3"/>
+          <p:cNvPr id="707050151" name="Slide Number Placeholder 3"/>
           <p:cNvSpPr>
             <a:spLocks noGrp="1"/>
           </p:cNvSpPr>
@@ -1292,7 +1292,7 @@
       </p:grpSpPr>
       <p:sp>
         <p:nvSpPr>
-          <p:cNvPr id="519636634" name="Slide Image Placeholder 1"/>
+          <p:cNvPr id="1495703559" name="Slide Image Placeholder 1"/>
           <p:cNvSpPr>
             <a:spLocks noChangeAspect="1" noGrp="1" noRot="1"/>
           </p:cNvSpPr>
@@ -1304,7 +1304,7 @@
       </p:sp>
       <p:sp>
         <p:nvSpPr>
-          <p:cNvPr id="209574089" name="Notes Placeholder 2"/>
+          <p:cNvPr id="2108490118" name="Notes Placeholder 2"/>
           <p:cNvSpPr>
             <a:spLocks noGrp="1"/>
           </p:cNvSpPr>
@@ -1326,7 +1326,7 @@
       </p:sp>
       <p:sp>
         <p:nvSpPr>
-          <p:cNvPr id="713954994" name="Slide Number Placeholder 3"/>
+          <p:cNvPr id="1350468027" name="Slide Number Placeholder 3"/>
           <p:cNvSpPr>
             <a:spLocks noGrp="1"/>
           </p:cNvSpPr>
@@ -1374,7 +1374,7 @@
       </p:grpSpPr>
       <p:sp>
         <p:nvSpPr>
-          <p:cNvPr id="927445648" name="Slide Image Placeholder 1"/>
+          <p:cNvPr id="1984709412" name="Slide Image Placeholder 1"/>
           <p:cNvSpPr>
             <a:spLocks noChangeAspect="1" noGrp="1" noRot="1"/>
           </p:cNvSpPr>
@@ -1386,7 +1386,7 @@
       </p:sp>
       <p:sp>
         <p:nvSpPr>
-          <p:cNvPr id="1266675544" name="Notes Placeholder 2"/>
+          <p:cNvPr id="740848147" name="Notes Placeholder 2"/>
           <p:cNvSpPr>
             <a:spLocks noGrp="1"/>
           </p:cNvSpPr>
@@ -1408,7 +1408,7 @@
       </p:sp>
       <p:sp>
         <p:nvSpPr>
-          <p:cNvPr id="1959883369" name="Slide Number Placeholder 3"/>
+          <p:cNvPr id="706039378" name="Slide Number Placeholder 3"/>
           <p:cNvSpPr>
             <a:spLocks noGrp="1"/>
           </p:cNvSpPr>
@@ -1456,7 +1456,7 @@
       </p:grpSpPr>
       <p:sp>
         <p:nvSpPr>
-          <p:cNvPr id="155767853" name="Slide Image Placeholder 1"/>
+          <p:cNvPr id="1279401456" name="Slide Image Placeholder 1"/>
           <p:cNvSpPr>
             <a:spLocks noChangeAspect="1" noGrp="1" noRot="1"/>
           </p:cNvSpPr>
@@ -1468,7 +1468,7 @@
       </p:sp>
       <p:sp>
         <p:nvSpPr>
-          <p:cNvPr id="348109680" name="Notes Placeholder 2"/>
+          <p:cNvPr id="431043197" name="Notes Placeholder 2"/>
           <p:cNvSpPr>
             <a:spLocks noGrp="1"/>
           </p:cNvSpPr>
@@ -1490,7 +1490,7 @@
       </p:sp>
       <p:sp>
         <p:nvSpPr>
-          <p:cNvPr id="1074876525" name="Slide Number Placeholder 3"/>
+          <p:cNvPr id="331546665" name="Slide Number Placeholder 3"/>
           <p:cNvSpPr>
             <a:spLocks noGrp="1"/>
           </p:cNvSpPr>
@@ -1538,7 +1538,7 @@
       </p:grpSpPr>
       <p:sp>
         <p:nvSpPr>
-          <p:cNvPr id="1284128862" name="Slide Image Placeholder 1"/>
+          <p:cNvPr id="1868389989" name="Slide Image Placeholder 1"/>
           <p:cNvSpPr>
             <a:spLocks noChangeAspect="1" noGrp="1" noRot="1"/>
           </p:cNvSpPr>
@@ -1550,7 +1550,7 @@
       </p:sp>
       <p:sp>
         <p:nvSpPr>
-          <p:cNvPr id="896742930" name="Notes Placeholder 2"/>
+          <p:cNvPr id="253216031" name="Notes Placeholder 2"/>
           <p:cNvSpPr>
             <a:spLocks noGrp="1"/>
           </p:cNvSpPr>
@@ -1572,7 +1572,7 @@
       </p:sp>
       <p:sp>
         <p:nvSpPr>
-          <p:cNvPr id="1676241164" name="Slide Number Placeholder 3"/>
+          <p:cNvPr id="900361739" name="Slide Number Placeholder 3"/>
           <p:cNvSpPr>
             <a:spLocks noGrp="1"/>
           </p:cNvSpPr>
@@ -1620,7 +1620,7 @@
       </p:grpSpPr>
       <p:sp>
         <p:nvSpPr>
-          <p:cNvPr id="2065372182" name="Slide Image Placeholder 1"/>
+          <p:cNvPr id="2051343624" name="Slide Image Placeholder 1"/>
           <p:cNvSpPr>
             <a:spLocks noChangeAspect="1" noGrp="1" noRot="1"/>
           </p:cNvSpPr>
@@ -1632,7 +1632,7 @@
       </p:sp>
       <p:sp>
         <p:nvSpPr>
-          <p:cNvPr id="1936393968" name="Notes Placeholder 2"/>
+          <p:cNvPr id="274426916" name="Notes Placeholder 2"/>
           <p:cNvSpPr>
             <a:spLocks noGrp="1"/>
           </p:cNvSpPr>
@@ -1654,7 +1654,7 @@
       </p:sp>
       <p:sp>
         <p:nvSpPr>
-          <p:cNvPr id="1114119475" name="Slide Number Placeholder 3"/>
+          <p:cNvPr id="2086315834" name="Slide Number Placeholder 3"/>
           <p:cNvSpPr>
             <a:spLocks noGrp="1"/>
           </p:cNvSpPr>
@@ -1702,7 +1702,7 @@
       </p:grpSpPr>
       <p:sp>
         <p:nvSpPr>
-          <p:cNvPr id="2091860501" name="Slide Image Placeholder 1"/>
+          <p:cNvPr id="1398156444" name="Slide Image Placeholder 1"/>
           <p:cNvSpPr>
             <a:spLocks noChangeAspect="1" noGrp="1" noRot="1"/>
           </p:cNvSpPr>
@@ -1714,7 +1714,7 @@
       </p:sp>
       <p:sp>
         <p:nvSpPr>
-          <p:cNvPr id="819082772" name="Notes Placeholder 2"/>
+          <p:cNvPr id="909387828" name="Notes Placeholder 2"/>
           <p:cNvSpPr>
             <a:spLocks noGrp="1"/>
           </p:cNvSpPr>
@@ -1736,7 +1736,7 @@
       </p:sp>
       <p:sp>
         <p:nvSpPr>
-          <p:cNvPr id="2142586470" name="Slide Number Placeholder 3"/>
+          <p:cNvPr id="422129935" name="Slide Number Placeholder 3"/>
           <p:cNvSpPr>
             <a:spLocks noGrp="1"/>
           </p:cNvSpPr>
@@ -1784,7 +1784,7 @@
       </p:grpSpPr>
       <p:sp>
         <p:nvSpPr>
-          <p:cNvPr id="2093723079" name="Slide Image Placeholder 1"/>
+          <p:cNvPr id="1670313053" name="Slide Image Placeholder 1"/>
           <p:cNvSpPr>
             <a:spLocks noChangeAspect="1" noGrp="1" noRot="1"/>
           </p:cNvSpPr>
@@ -1796,7 +1796,7 @@
       </p:sp>
       <p:sp>
         <p:nvSpPr>
-          <p:cNvPr id="968508298" name="Notes Placeholder 2"/>
+          <p:cNvPr id="149303640" name="Notes Placeholder 2"/>
           <p:cNvSpPr>
             <a:spLocks noGrp="1"/>
           </p:cNvSpPr>
@@ -1818,7 +1818,7 @@
       </p:sp>
       <p:sp>
         <p:nvSpPr>
-          <p:cNvPr id="1845593102" name="Slide Number Placeholder 3"/>
+          <p:cNvPr id="1175660992" name="Slide Number Placeholder 3"/>
           <p:cNvSpPr>
             <a:spLocks noGrp="1"/>
           </p:cNvSpPr>
@@ -1866,7 +1866,7 @@
       </p:grpSpPr>
       <p:sp>
         <p:nvSpPr>
-          <p:cNvPr id="1108624689" name="Slide Image Placeholder 1"/>
+          <p:cNvPr id="1463813096" name="Slide Image Placeholder 1"/>
           <p:cNvSpPr>
             <a:spLocks noChangeAspect="1" noGrp="1" noRot="1"/>
           </p:cNvSpPr>
@@ -1878,7 +1878,7 @@
       </p:sp>
       <p:sp>
         <p:nvSpPr>
-          <p:cNvPr id="1864145964" name="Notes Placeholder 2"/>
+          <p:cNvPr id="1636858057" name="Notes Placeholder 2"/>
           <p:cNvSpPr>
             <a:spLocks noGrp="1"/>
           </p:cNvSpPr>
@@ -1900,7 +1900,7 @@
       </p:sp>
       <p:sp>
         <p:nvSpPr>
-          <p:cNvPr id="351723446" name="Slide Number Placeholder 3"/>
+          <p:cNvPr id="233889264" name="Slide Number Placeholder 3"/>
           <p:cNvSpPr>
             <a:spLocks noGrp="1"/>
           </p:cNvSpPr>
@@ -1948,7 +1948,7 @@
       </p:grpSpPr>
       <p:sp>
         <p:nvSpPr>
-          <p:cNvPr id="794822976" name="Slide Image Placeholder 1"/>
+          <p:cNvPr id="155512509" name="Slide Image Placeholder 1"/>
           <p:cNvSpPr>
             <a:spLocks noChangeAspect="1" noGrp="1" noRot="1"/>
           </p:cNvSpPr>
@@ -1960,7 +1960,7 @@
       </p:sp>
       <p:sp>
         <p:nvSpPr>
-          <p:cNvPr id="187146271" name="Notes Placeholder 2"/>
+          <p:cNvPr id="604134979" name="Notes Placeholder 2"/>
           <p:cNvSpPr>
             <a:spLocks noGrp="1"/>
           </p:cNvSpPr>
@@ -1982,7 +1982,7 @@
       </p:sp>
       <p:sp>
         <p:nvSpPr>
-          <p:cNvPr id="1416750579" name="Slide Number Placeholder 3"/>
+          <p:cNvPr id="855215004" name="Slide Number Placeholder 3"/>
           <p:cNvSpPr>
             <a:spLocks noGrp="1"/>
           </p:cNvSpPr>
@@ -2030,7 +2030,7 @@
       </p:grpSpPr>
       <p:sp>
         <p:nvSpPr>
-          <p:cNvPr id="1997420356" name="Slide Image Placeholder 1"/>
+          <p:cNvPr id="2136406953" name="Slide Image Placeholder 1"/>
           <p:cNvSpPr>
             <a:spLocks noChangeAspect="1" noGrp="1" noRot="1"/>
           </p:cNvSpPr>
@@ -2042,7 +2042,7 @@
       </p:sp>
       <p:sp>
         <p:nvSpPr>
-          <p:cNvPr id="1689942223" name="Notes Placeholder 2"/>
+          <p:cNvPr id="530384625" name="Notes Placeholder 2"/>
           <p:cNvSpPr>
             <a:spLocks noGrp="1"/>
           </p:cNvSpPr>
@@ -2064,7 +2064,7 @@
       </p:sp>
       <p:sp>
         <p:nvSpPr>
-          <p:cNvPr id="668431042" name="Slide Number Placeholder 3"/>
+          <p:cNvPr id="873344462" name="Slide Number Placeholder 3"/>
           <p:cNvSpPr>
             <a:spLocks noGrp="1"/>
           </p:cNvSpPr>
@@ -2112,7 +2112,7 @@
       </p:grpSpPr>
       <p:sp>
         <p:nvSpPr>
-          <p:cNvPr id="132468131" name="Slide Image Placeholder 1"/>
+          <p:cNvPr id="1721747788" name="Slide Image Placeholder 1"/>
           <p:cNvSpPr>
             <a:spLocks noChangeAspect="1" noGrp="1" noRot="1"/>
           </p:cNvSpPr>
@@ -2124,7 +2124,7 @@
       </p:sp>
       <p:sp>
         <p:nvSpPr>
-          <p:cNvPr id="57919840" name="Notes Placeholder 2"/>
+          <p:cNvPr id="1711777229" name="Notes Placeholder 2"/>
           <p:cNvSpPr>
             <a:spLocks noGrp="1"/>
           </p:cNvSpPr>
@@ -2146,7 +2146,7 @@
       </p:sp>
       <p:sp>
         <p:nvSpPr>
-          <p:cNvPr id="1824793655" name="Slide Number Placeholder 3"/>
+          <p:cNvPr id="1402347799" name="Slide Number Placeholder 3"/>
           <p:cNvSpPr>
             <a:spLocks noGrp="1"/>
           </p:cNvSpPr>
@@ -2194,7 +2194,7 @@
       </p:grpSpPr>
       <p:sp>
         <p:nvSpPr>
-          <p:cNvPr id="1495007070" name="Slide Image Placeholder 1"/>
+          <p:cNvPr id="731416132" name="Slide Image Placeholder 1"/>
           <p:cNvSpPr>
             <a:spLocks noChangeAspect="1" noGrp="1" noRot="1"/>
           </p:cNvSpPr>
@@ -2206,7 +2206,7 @@
       </p:sp>
       <p:sp>
         <p:nvSpPr>
-          <p:cNvPr id="1991444854" name="Notes Placeholder 2"/>
+          <p:cNvPr id="1710307517" name="Notes Placeholder 2"/>
           <p:cNvSpPr>
             <a:spLocks noGrp="1"/>
           </p:cNvSpPr>
@@ -2228,7 +2228,7 @@
       </p:sp>
       <p:sp>
         <p:nvSpPr>
-          <p:cNvPr id="2097419860" name="Slide Number Placeholder 3"/>
+          <p:cNvPr id="137801881" name="Slide Number Placeholder 3"/>
           <p:cNvSpPr>
             <a:spLocks noGrp="1"/>
           </p:cNvSpPr>
@@ -2276,7 +2276,7 @@
       </p:grpSpPr>
       <p:sp>
         <p:nvSpPr>
-          <p:cNvPr id="1375274139" name="Slide Image Placeholder 1"/>
+          <p:cNvPr id="931076485" name="Slide Image Placeholder 1"/>
           <p:cNvSpPr>
             <a:spLocks noChangeAspect="1" noGrp="1" noRot="1"/>
           </p:cNvSpPr>
@@ -2288,7 +2288,7 @@
       </p:sp>
       <p:sp>
         <p:nvSpPr>
-          <p:cNvPr id="1090105678" name="Notes Placeholder 2"/>
+          <p:cNvPr id="2137270452" name="Notes Placeholder 2"/>
           <p:cNvSpPr>
             <a:spLocks noGrp="1"/>
           </p:cNvSpPr>
@@ -2310,7 +2310,7 @@
       </p:sp>
       <p:sp>
         <p:nvSpPr>
-          <p:cNvPr id="482827728" name="Slide Number Placeholder 3"/>
+          <p:cNvPr id="941576914" name="Slide Number Placeholder 3"/>
           <p:cNvSpPr>
             <a:spLocks noGrp="1"/>
           </p:cNvSpPr>
@@ -2358,7 +2358,7 @@
       </p:grpSpPr>
       <p:sp>
         <p:nvSpPr>
-          <p:cNvPr id="674432709" name="Slide Image Placeholder 1"/>
+          <p:cNvPr id="293442989" name="Slide Image Placeholder 1"/>
           <p:cNvSpPr>
             <a:spLocks noChangeAspect="1" noGrp="1" noRot="1"/>
           </p:cNvSpPr>
@@ -2370,7 +2370,7 @@
       </p:sp>
       <p:sp>
         <p:nvSpPr>
-          <p:cNvPr id="1674548699" name="Notes Placeholder 2"/>
+          <p:cNvPr id="1096914715" name="Notes Placeholder 2"/>
           <p:cNvSpPr>
             <a:spLocks noGrp="1"/>
           </p:cNvSpPr>
@@ -2392,7 +2392,7 @@
       </p:sp>
       <p:sp>
         <p:nvSpPr>
-          <p:cNvPr id="1790859538" name="Slide Number Placeholder 3"/>
+          <p:cNvPr id="1082470184" name="Slide Number Placeholder 3"/>
           <p:cNvSpPr>
             <a:spLocks noGrp="1"/>
           </p:cNvSpPr>
@@ -2440,7 +2440,7 @@
       </p:grpSpPr>
       <p:sp>
         <p:nvSpPr>
-          <p:cNvPr id="1515869791" name="Title 1"/>
+          <p:cNvPr id="970218986" name="Title 1"/>
           <p:cNvSpPr>
             <a:spLocks noGrp="1"/>
           </p:cNvSpPr>
@@ -2475,7 +2475,7 @@
       </p:sp>
       <p:sp>
         <p:nvSpPr>
-          <p:cNvPr id="1604884656" name="Subtitle 2"/>
+          <p:cNvPr id="1691931762" name="Subtitle 2"/>
           <p:cNvSpPr>
             <a:spLocks noGrp="1"/>
           </p:cNvSpPr>
@@ -2543,7 +2543,7 @@
       </p:sp>
       <p:sp>
         <p:nvSpPr>
-          <p:cNvPr id="938134755" name="Date Placeholder 3"/>
+          <p:cNvPr id="923679948" name="Date Placeholder 3"/>
           <p:cNvSpPr>
             <a:spLocks noGrp="1"/>
           </p:cNvSpPr>
@@ -2569,7 +2569,7 @@
       </p:sp>
       <p:sp>
         <p:nvSpPr>
-          <p:cNvPr id="1320821247" name="Footer Placeholder 4"/>
+          <p:cNvPr id="1441229942" name="Footer Placeholder 4"/>
           <p:cNvSpPr>
             <a:spLocks noGrp="1"/>
           </p:cNvSpPr>
@@ -2591,7 +2591,7 @@
       </p:sp>
       <p:sp>
         <p:nvSpPr>
-          <p:cNvPr id="1567806822" name="Slide Number Placeholder 5"/>
+          <p:cNvPr id="1659202567" name="Slide Number Placeholder 5"/>
           <p:cNvSpPr>
             <a:spLocks noGrp="1"/>
           </p:cNvSpPr>
@@ -2642,7 +2642,7 @@
       </p:grpSpPr>
       <p:sp>
         <p:nvSpPr>
-          <p:cNvPr id="541703969" name="Title 1"/>
+          <p:cNvPr id="969658225" name="Title 1"/>
           <p:cNvSpPr>
             <a:spLocks noGrp="1"/>
           </p:cNvSpPr>
@@ -2668,7 +2668,7 @@
       </p:sp>
       <p:sp>
         <p:nvSpPr>
-          <p:cNvPr id="1543839242" name="Vertical Text Placeholder 2"/>
+          <p:cNvPr id="803239258" name="Vertical Text Placeholder 2"/>
           <p:cNvSpPr>
             <a:spLocks noGrp="1"/>
           </p:cNvSpPr>
@@ -2734,7 +2734,7 @@
       </p:sp>
       <p:sp>
         <p:nvSpPr>
-          <p:cNvPr id="79094396" name="Date Placeholder 3"/>
+          <p:cNvPr id="1881444663" name="Date Placeholder 3"/>
           <p:cNvSpPr>
             <a:spLocks noGrp="1"/>
           </p:cNvSpPr>
@@ -2760,7 +2760,7 @@
       </p:sp>
       <p:sp>
         <p:nvSpPr>
-          <p:cNvPr id="1803990759" name="Footer Placeholder 4"/>
+          <p:cNvPr id="2109187501" name="Footer Placeholder 4"/>
           <p:cNvSpPr>
             <a:spLocks noGrp="1"/>
           </p:cNvSpPr>
@@ -2782,7 +2782,7 @@
       </p:sp>
       <p:sp>
         <p:nvSpPr>
-          <p:cNvPr id="809532622" name="Slide Number Placeholder 5"/>
+          <p:cNvPr id="906199983" name="Slide Number Placeholder 5"/>
           <p:cNvSpPr>
             <a:spLocks noGrp="1"/>
           </p:cNvSpPr>
@@ -2833,7 +2833,7 @@
       </p:grpSpPr>
       <p:sp>
         <p:nvSpPr>
-          <p:cNvPr id="1793725071" name="Vertical Title 1"/>
+          <p:cNvPr id="1260293533" name="Vertical Title 1"/>
           <p:cNvSpPr>
             <a:spLocks noGrp="1"/>
           </p:cNvSpPr>
@@ -2864,7 +2864,7 @@
       </p:sp>
       <p:sp>
         <p:nvSpPr>
-          <p:cNvPr id="1743051607" name="Vertical Text Placeholder 2"/>
+          <p:cNvPr id="1183213841" name="Vertical Text Placeholder 2"/>
           <p:cNvSpPr>
             <a:spLocks noGrp="1"/>
           </p:cNvSpPr>
@@ -2935,7 +2935,7 @@
       </p:sp>
       <p:sp>
         <p:nvSpPr>
-          <p:cNvPr id="393914802" name="Date Placeholder 3"/>
+          <p:cNvPr id="930056045" name="Date Placeholder 3"/>
           <p:cNvSpPr>
             <a:spLocks noGrp="1"/>
           </p:cNvSpPr>
@@ -2961,7 +2961,7 @@
       </p:sp>
       <p:sp>
         <p:nvSpPr>
-          <p:cNvPr id="1144432042" name="Footer Placeholder 4"/>
+          <p:cNvPr id="1670593639" name="Footer Placeholder 4"/>
           <p:cNvSpPr>
             <a:spLocks noGrp="1"/>
           </p:cNvSpPr>
@@ -2983,7 +2983,7 @@
       </p:sp>
       <p:sp>
         <p:nvSpPr>
-          <p:cNvPr id="677111253" name="Slide Number Placeholder 5"/>
+          <p:cNvPr id="898958159" name="Slide Number Placeholder 5"/>
           <p:cNvSpPr>
             <a:spLocks noGrp="1"/>
           </p:cNvSpPr>
@@ -3034,7 +3034,7 @@
       </p:grpSpPr>
       <p:sp>
         <p:nvSpPr>
-          <p:cNvPr id="104306355" name="Title 1"/>
+          <p:cNvPr id="642891446" name="Title 1"/>
           <p:cNvSpPr>
             <a:spLocks noGrp="1"/>
           </p:cNvSpPr>
@@ -3060,7 +3060,7 @@
       </p:sp>
       <p:sp>
         <p:nvSpPr>
-          <p:cNvPr id="1732867368" name="Content Placeholder 2"/>
+          <p:cNvPr id="454308202" name="Content Placeholder 2"/>
           <p:cNvSpPr>
             <a:spLocks noGrp="1"/>
           </p:cNvSpPr>
@@ -3126,7 +3126,7 @@
       </p:sp>
       <p:sp>
         <p:nvSpPr>
-          <p:cNvPr id="1728676279" name="Date Placeholder 3"/>
+          <p:cNvPr id="1828190244" name="Date Placeholder 3"/>
           <p:cNvSpPr>
             <a:spLocks noGrp="1"/>
           </p:cNvSpPr>
@@ -3152,7 +3152,7 @@
       </p:sp>
       <p:sp>
         <p:nvSpPr>
-          <p:cNvPr id="669651959" name="Footer Placeholder 4"/>
+          <p:cNvPr id="1669944989" name="Footer Placeholder 4"/>
           <p:cNvSpPr>
             <a:spLocks noGrp="1"/>
           </p:cNvSpPr>
@@ -3174,7 +3174,7 @@
       </p:sp>
       <p:sp>
         <p:nvSpPr>
-          <p:cNvPr id="2134266244" name="Slide Number Placeholder 5"/>
+          <p:cNvPr id="394605887" name="Slide Number Placeholder 5"/>
           <p:cNvSpPr>
             <a:spLocks noGrp="1"/>
           </p:cNvSpPr>
@@ -3225,7 +3225,7 @@
       </p:grpSpPr>
       <p:sp>
         <p:nvSpPr>
-          <p:cNvPr id="626989920" name="Title 1"/>
+          <p:cNvPr id="933915455" name="Title 1"/>
           <p:cNvSpPr>
             <a:spLocks noGrp="1"/>
           </p:cNvSpPr>
@@ -3260,7 +3260,7 @@
       </p:sp>
       <p:sp>
         <p:nvSpPr>
-          <p:cNvPr id="284609956" name="Text Placeholder 2"/>
+          <p:cNvPr id="1364819577" name="Text Placeholder 2"/>
           <p:cNvSpPr>
             <a:spLocks noGrp="1"/>
           </p:cNvSpPr>
@@ -3382,7 +3382,7 @@
       </p:sp>
       <p:sp>
         <p:nvSpPr>
-          <p:cNvPr id="211761050" name="Date Placeholder 3"/>
+          <p:cNvPr id="1451270235" name="Date Placeholder 3"/>
           <p:cNvSpPr>
             <a:spLocks noGrp="1"/>
           </p:cNvSpPr>
@@ -3408,7 +3408,7 @@
       </p:sp>
       <p:sp>
         <p:nvSpPr>
-          <p:cNvPr id="995133247" name="Footer Placeholder 4"/>
+          <p:cNvPr id="1759473349" name="Footer Placeholder 4"/>
           <p:cNvSpPr>
             <a:spLocks noGrp="1"/>
           </p:cNvSpPr>
@@ -3430,7 +3430,7 @@
       </p:sp>
       <p:sp>
         <p:nvSpPr>
-          <p:cNvPr id="1835404652" name="Slide Number Placeholder 5"/>
+          <p:cNvPr id="280849735" name="Slide Number Placeholder 5"/>
           <p:cNvSpPr>
             <a:spLocks noGrp="1"/>
           </p:cNvSpPr>
@@ -3481,7 +3481,7 @@
       </p:grpSpPr>
       <p:sp>
         <p:nvSpPr>
-          <p:cNvPr id="78346820" name="Title 1"/>
+          <p:cNvPr id="188848082" name="Title 1"/>
           <p:cNvSpPr>
             <a:spLocks noGrp="1"/>
           </p:cNvSpPr>
@@ -3507,7 +3507,7 @@
       </p:sp>
       <p:sp>
         <p:nvSpPr>
-          <p:cNvPr id="958926216" name="Content Placeholder 2"/>
+          <p:cNvPr id="763425154" name="Content Placeholder 2"/>
           <p:cNvSpPr>
             <a:spLocks noGrp="1"/>
           </p:cNvSpPr>
@@ -3578,7 +3578,7 @@
       </p:sp>
       <p:sp>
         <p:nvSpPr>
-          <p:cNvPr id="1970139382" name="Content Placeholder 3"/>
+          <p:cNvPr id="105352080" name="Content Placeholder 3"/>
           <p:cNvSpPr>
             <a:spLocks noGrp="1"/>
           </p:cNvSpPr>
@@ -3649,7 +3649,7 @@
       </p:sp>
       <p:sp>
         <p:nvSpPr>
-          <p:cNvPr id="1608574834" name="Date Placeholder 4"/>
+          <p:cNvPr id="1106541397" name="Date Placeholder 4"/>
           <p:cNvSpPr>
             <a:spLocks noGrp="1"/>
           </p:cNvSpPr>
@@ -3675,7 +3675,7 @@
       </p:sp>
       <p:sp>
         <p:nvSpPr>
-          <p:cNvPr id="2066435065" name="Footer Placeholder 5"/>
+          <p:cNvPr id="457145374" name="Footer Placeholder 5"/>
           <p:cNvSpPr>
             <a:spLocks noGrp="1"/>
           </p:cNvSpPr>
@@ -3697,7 +3697,7 @@
       </p:sp>
       <p:sp>
         <p:nvSpPr>
-          <p:cNvPr id="1835327701" name="Slide Number Placeholder 6"/>
+          <p:cNvPr id="862799026" name="Slide Number Placeholder 6"/>
           <p:cNvSpPr>
             <a:spLocks noGrp="1"/>
           </p:cNvSpPr>
@@ -3748,7 +3748,7 @@
       </p:grpSpPr>
       <p:sp>
         <p:nvSpPr>
-          <p:cNvPr id="1986381814" name="Title 1"/>
+          <p:cNvPr id="405643332" name="Title 1"/>
           <p:cNvSpPr>
             <a:spLocks noGrp="1"/>
           </p:cNvSpPr>
@@ -3779,7 +3779,7 @@
       </p:sp>
       <p:sp>
         <p:nvSpPr>
-          <p:cNvPr id="1269069850" name="Text Placeholder 2"/>
+          <p:cNvPr id="650903952" name="Text Placeholder 2"/>
           <p:cNvSpPr>
             <a:spLocks noGrp="1"/>
           </p:cNvSpPr>
@@ -3847,7 +3847,7 @@
       </p:sp>
       <p:sp>
         <p:nvSpPr>
-          <p:cNvPr id="1427527961" name="Content Placeholder 3"/>
+          <p:cNvPr id="1556892702" name="Content Placeholder 3"/>
           <p:cNvSpPr>
             <a:spLocks noGrp="1"/>
           </p:cNvSpPr>
@@ -3918,7 +3918,7 @@
       </p:sp>
       <p:sp>
         <p:nvSpPr>
-          <p:cNvPr id="1683906097" name="Text Placeholder 4"/>
+          <p:cNvPr id="872575643" name="Text Placeholder 4"/>
           <p:cNvSpPr>
             <a:spLocks noGrp="1"/>
           </p:cNvSpPr>
@@ -3986,7 +3986,7 @@
       </p:sp>
       <p:sp>
         <p:nvSpPr>
-          <p:cNvPr id="1662276278" name="Content Placeholder 5"/>
+          <p:cNvPr id="1305425035" name="Content Placeholder 5"/>
           <p:cNvSpPr>
             <a:spLocks noGrp="1"/>
           </p:cNvSpPr>
@@ -4057,7 +4057,7 @@
       </p:sp>
       <p:sp>
         <p:nvSpPr>
-          <p:cNvPr id="1620245162" name="Date Placeholder 6"/>
+          <p:cNvPr id="760277076" name="Date Placeholder 6"/>
           <p:cNvSpPr>
             <a:spLocks noGrp="1"/>
           </p:cNvSpPr>
@@ -4083,7 +4083,7 @@
       </p:sp>
       <p:sp>
         <p:nvSpPr>
-          <p:cNvPr id="2138989691" name="Footer Placeholder 7"/>
+          <p:cNvPr id="829557130" name="Footer Placeholder 7"/>
           <p:cNvSpPr>
             <a:spLocks noGrp="1"/>
           </p:cNvSpPr>
@@ -4105,7 +4105,7 @@
       </p:sp>
       <p:sp>
         <p:nvSpPr>
-          <p:cNvPr id="1004138642" name="Slide Number Placeholder 8"/>
+          <p:cNvPr id="920375970" name="Slide Number Placeholder 8"/>
           <p:cNvSpPr>
             <a:spLocks noGrp="1"/>
           </p:cNvSpPr>
@@ -4156,7 +4156,7 @@
       </p:grpSpPr>
       <p:sp>
         <p:nvSpPr>
-          <p:cNvPr id="120221027" name="Title 1"/>
+          <p:cNvPr id="230389111" name="Title 1"/>
           <p:cNvSpPr>
             <a:spLocks noGrp="1"/>
           </p:cNvSpPr>
@@ -4182,7 +4182,7 @@
       </p:sp>
       <p:sp>
         <p:nvSpPr>
-          <p:cNvPr id="742780290" name="Date Placeholder 2"/>
+          <p:cNvPr id="1361895996" name="Date Placeholder 2"/>
           <p:cNvSpPr>
             <a:spLocks noGrp="1"/>
           </p:cNvSpPr>
@@ -4208,7 +4208,7 @@
       </p:sp>
       <p:sp>
         <p:nvSpPr>
-          <p:cNvPr id="1938943406" name="Footer Placeholder 3"/>
+          <p:cNvPr id="770152104" name="Footer Placeholder 3"/>
           <p:cNvSpPr>
             <a:spLocks noGrp="1"/>
           </p:cNvSpPr>
@@ -4230,7 +4230,7 @@
       </p:sp>
       <p:sp>
         <p:nvSpPr>
-          <p:cNvPr id="845534864" name="Slide Number Placeholder 4"/>
+          <p:cNvPr id="834818698" name="Slide Number Placeholder 4"/>
           <p:cNvSpPr>
             <a:spLocks noGrp="1"/>
           </p:cNvSpPr>
@@ -4281,7 +4281,7 @@
       </p:grpSpPr>
       <p:sp>
         <p:nvSpPr>
-          <p:cNvPr id="1666636077" name="Date Placeholder 1"/>
+          <p:cNvPr id="2092711725" name="Date Placeholder 1"/>
           <p:cNvSpPr>
             <a:spLocks noGrp="1"/>
           </p:cNvSpPr>
@@ -4307,7 +4307,7 @@
       </p:sp>
       <p:sp>
         <p:nvSpPr>
-          <p:cNvPr id="1026203793" name="Footer Placeholder 2"/>
+          <p:cNvPr id="1648187284" name="Footer Placeholder 2"/>
           <p:cNvSpPr>
             <a:spLocks noGrp="1"/>
           </p:cNvSpPr>
@@ -4329,7 +4329,7 @@
       </p:sp>
       <p:sp>
         <p:nvSpPr>
-          <p:cNvPr id="1888870351" name="Slide Number Placeholder 3"/>
+          <p:cNvPr id="68997593" name="Slide Number Placeholder 3"/>
           <p:cNvSpPr>
             <a:spLocks noGrp="1"/>
           </p:cNvSpPr>
@@ -4380,7 +4380,7 @@
       </p:grpSpPr>
       <p:sp>
         <p:nvSpPr>
-          <p:cNvPr id="375928739" name="Title 1"/>
+          <p:cNvPr id="1353508498" name="Title 1"/>
           <p:cNvSpPr>
             <a:spLocks noGrp="1"/>
           </p:cNvSpPr>
@@ -4415,7 +4415,7 @@
       </p:sp>
       <p:sp>
         <p:nvSpPr>
-          <p:cNvPr id="247650941" name="Content Placeholder 2"/>
+          <p:cNvPr id="501489749" name="Content Placeholder 2"/>
           <p:cNvSpPr>
             <a:spLocks noGrp="1"/>
           </p:cNvSpPr>
@@ -4514,7 +4514,7 @@
       </p:sp>
       <p:sp>
         <p:nvSpPr>
-          <p:cNvPr id="645765267" name="Text Placeholder 3"/>
+          <p:cNvPr id="1470664123" name="Text Placeholder 3"/>
           <p:cNvSpPr>
             <a:spLocks noGrp="1"/>
           </p:cNvSpPr>
@@ -4582,7 +4582,7 @@
       </p:sp>
       <p:sp>
         <p:nvSpPr>
-          <p:cNvPr id="885130216" name="Date Placeholder 4"/>
+          <p:cNvPr id="704568912" name="Date Placeholder 4"/>
           <p:cNvSpPr>
             <a:spLocks noGrp="1"/>
           </p:cNvSpPr>
@@ -4608,7 +4608,7 @@
       </p:sp>
       <p:sp>
         <p:nvSpPr>
-          <p:cNvPr id="593550412" name="Footer Placeholder 5"/>
+          <p:cNvPr id="1887658362" name="Footer Placeholder 5"/>
           <p:cNvSpPr>
             <a:spLocks noGrp="1"/>
           </p:cNvSpPr>
@@ -4630,7 +4630,7 @@
       </p:sp>
       <p:sp>
         <p:nvSpPr>
-          <p:cNvPr id="1179517862" name="Slide Number Placeholder 6"/>
+          <p:cNvPr id="355844374" name="Slide Number Placeholder 6"/>
           <p:cNvSpPr>
             <a:spLocks noGrp="1"/>
           </p:cNvSpPr>
@@ -4681,7 +4681,7 @@
       </p:grpSpPr>
       <p:sp>
         <p:nvSpPr>
-          <p:cNvPr id="179174378" name="Title 1"/>
+          <p:cNvPr id="70910476" name="Title 1"/>
           <p:cNvSpPr>
             <a:spLocks noGrp="1"/>
           </p:cNvSpPr>
@@ -4716,7 +4716,7 @@
       </p:sp>
       <p:sp>
         <p:nvSpPr>
-          <p:cNvPr id="1807604479" name="Picture Placeholder 2"/>
+          <p:cNvPr id="1257099960" name="Picture Placeholder 2"/>
           <p:cNvSpPr>
             <a:spLocks noGrp="1"/>
           </p:cNvSpPr>
@@ -4780,7 +4780,7 @@
       </p:sp>
       <p:sp>
         <p:nvSpPr>
-          <p:cNvPr id="1804839630" name="Text Placeholder 3"/>
+          <p:cNvPr id="479361816" name="Text Placeholder 3"/>
           <p:cNvSpPr>
             <a:spLocks noGrp="1"/>
           </p:cNvSpPr>
@@ -4848,7 +4848,7 @@
       </p:sp>
       <p:sp>
         <p:nvSpPr>
-          <p:cNvPr id="830383937" name="Date Placeholder 4"/>
+          <p:cNvPr id="1994478824" name="Date Placeholder 4"/>
           <p:cNvSpPr>
             <a:spLocks noGrp="1"/>
           </p:cNvSpPr>
@@ -4874,7 +4874,7 @@
       </p:sp>
       <p:sp>
         <p:nvSpPr>
-          <p:cNvPr id="768911616" name="Footer Placeholder 5"/>
+          <p:cNvPr id="2044109456" name="Footer Placeholder 5"/>
           <p:cNvSpPr>
             <a:spLocks noGrp="1"/>
           </p:cNvSpPr>
@@ -4896,7 +4896,7 @@
       </p:sp>
       <p:sp>
         <p:nvSpPr>
-          <p:cNvPr id="1423002753" name="Slide Number Placeholder 6"/>
+          <p:cNvPr id="1031761386" name="Slide Number Placeholder 6"/>
           <p:cNvSpPr>
             <a:spLocks noGrp="1"/>
           </p:cNvSpPr>
@@ -4952,7 +4952,7 @@
       </p:grpSpPr>
       <p:sp>
         <p:nvSpPr>
-          <p:cNvPr id="586533429" name="Title Placeholder 1"/>
+          <p:cNvPr id="470327121" name="Title Placeholder 1"/>
           <p:cNvSpPr>
             <a:spLocks noGrp="1"/>
           </p:cNvSpPr>
@@ -4988,7 +4988,7 @@
       </p:sp>
       <p:sp>
         <p:nvSpPr>
-          <p:cNvPr id="81108962" name="Text Placeholder 2"/>
+          <p:cNvPr id="1826423531" name="Text Placeholder 2"/>
           <p:cNvSpPr>
             <a:spLocks noGrp="1"/>
           </p:cNvSpPr>
@@ -5064,7 +5064,7 @@
       </p:sp>
       <p:sp>
         <p:nvSpPr>
-          <p:cNvPr id="1256407340" name="Date Placeholder 3"/>
+          <p:cNvPr id="112526213" name="Date Placeholder 3"/>
           <p:cNvSpPr>
             <a:spLocks noGrp="1"/>
           </p:cNvSpPr>
@@ -5108,7 +5108,7 @@
       </p:sp>
       <p:sp>
         <p:nvSpPr>
-          <p:cNvPr id="1438795292" name="Footer Placeholder 4"/>
+          <p:cNvPr id="801193148" name="Footer Placeholder 4"/>
           <p:cNvSpPr>
             <a:spLocks noGrp="1"/>
           </p:cNvSpPr>
@@ -5148,7 +5148,7 @@
       </p:sp>
       <p:sp>
         <p:nvSpPr>
-          <p:cNvPr id="332292196" name="Slide Number Placeholder 5"/>
+          <p:cNvPr id="1817081565" name="Slide Number Placeholder 5"/>
           <p:cNvSpPr>
             <a:spLocks noGrp="1"/>
           </p:cNvSpPr>
@@ -5515,7 +5515,7 @@
       </p:grpSpPr>
       <p:sp>
         <p:nvSpPr>
-          <p:cNvPr id="640060465" name="Title 1"/>
+          <p:cNvPr id="1525389918" name="Title 1"/>
           <p:cNvSpPr>
             <a:spLocks noGrp="1"/>
           </p:cNvSpPr>
@@ -5550,7 +5550,7 @@
       </p:sp>
       <p:sp>
         <p:nvSpPr>
-          <p:cNvPr id="1558544351" name="Subtitle 2"/>
+          <p:cNvPr id="1942693358" name="Subtitle 2"/>
           <p:cNvSpPr>
             <a:spLocks noGrp="1"/>
           </p:cNvSpPr>
@@ -5676,7 +5676,7 @@
       </p:sp>
       <p:pic>
         <p:nvPicPr>
-          <p:cNvPr id="313012172" name="Picture 3"/>
+          <p:cNvPr id="698071628" name="Picture 3"/>
           <p:cNvPicPr>
             <a:picLocks noChangeAspect="1"/>
           </p:cNvPicPr>
@@ -5738,7 +5738,7 @@
       </p:grpSpPr>
       <p:sp>
         <p:nvSpPr>
-          <p:cNvPr id="131110297" name="Title 1"/>
+          <p:cNvPr id="294203182" name="Title 1"/>
           <p:cNvSpPr>
             <a:spLocks noGrp="1"/>
           </p:cNvSpPr>
@@ -5786,7 +5786,7 @@
       </p:sp>
       <p:sp>
         <p:nvSpPr>
-          <p:cNvPr id="1330685781" name="Content Placeholder 2"/>
+          <p:cNvPr id="1359109366" name="Content Placeholder 2"/>
           <p:cNvSpPr>
             <a:spLocks noGrp="1"/>
           </p:cNvSpPr>
@@ -5874,7 +5874,7 @@
       </p:sp>
       <p:pic>
         <p:nvPicPr>
-          <p:cNvPr id="430468806" name="Picture 3"/>
+          <p:cNvPr id="346344623" name="Picture 3"/>
           <p:cNvPicPr>
             <a:picLocks noChangeAspect="1"/>
           </p:cNvPicPr>
@@ -5896,7 +5896,7 @@
       </p:pic>
       <p:pic>
         <p:nvPicPr>
-          <p:cNvPr id="1053655111" name=""/>
+          <p:cNvPr id="329603706" name=""/>
           <p:cNvPicPr>
             <a:picLocks noChangeAspect="1"/>
           </p:cNvPicPr>
@@ -5918,14 +5918,14 @@
       </p:pic>
       <p:sp>
         <p:nvSpPr>
-          <p:cNvPr id="1075589572" name=""/>
+          <p:cNvPr id="1189218558" name=""/>
           <p:cNvSpPr/>
           <p:nvPr/>
         </p:nvSpPr>
         <p:spPr bwMode="auto">
           <a:xfrm flipH="0" flipV="0">
             <a:off x="232871" y="3429000"/>
-            <a:ext cx="10258040" cy="1219559"/>
+            <a:ext cx="10258039" cy="1219559"/>
           </a:xfrm>
         </p:spPr>
         <p:txBody>
@@ -6002,7 +6002,7 @@
       </p:sp>
       <p:pic>
         <p:nvPicPr>
-          <p:cNvPr id="242516193" name=""/>
+          <p:cNvPr id="1593144988" name=""/>
           <p:cNvPicPr>
             <a:picLocks noChangeAspect="1"/>
           </p:cNvPicPr>
@@ -6024,7 +6024,7 @@
       </p:pic>
       <p:pic>
         <p:nvPicPr>
-          <p:cNvPr id="773405120" name=""/>
+          <p:cNvPr id="1241057776" name=""/>
           <p:cNvPicPr>
             <a:picLocks noChangeAspect="1"/>
           </p:cNvPicPr>
@@ -6037,7 +6037,7 @@
         <p:spPr bwMode="auto">
           <a:xfrm>
             <a:off x="4543424" y="4873755"/>
-            <a:ext cx="3609974" cy="466724"/>
+            <a:ext cx="3609973" cy="466724"/>
           </a:xfrm>
           <a:prstGeom prst="rect">
             <a:avLst/>
@@ -6046,7 +6046,7 @@
       </p:pic>
       <p:sp>
         <p:nvSpPr>
-          <p:cNvPr id="1499242738" name=""/>
+          <p:cNvPr id="335532471" name=""/>
           <p:cNvSpPr/>
           <p:nvPr/>
         </p:nvSpPr>
@@ -6082,7 +6082,7 @@
       </p:sp>
       <p:sp>
         <p:nvSpPr>
-          <p:cNvPr id="1639379245" name=""/>
+          <p:cNvPr id="48156328" name=""/>
           <p:cNvSpPr/>
           <p:nvPr/>
         </p:nvSpPr>
@@ -6143,7 +6143,7 @@
       </p:sp>
       <p:pic>
         <p:nvPicPr>
-          <p:cNvPr id="404071745" name=""/>
+          <p:cNvPr id="626898964" name=""/>
           <p:cNvPicPr>
             <a:picLocks noChangeAspect="1"/>
           </p:cNvPicPr>
@@ -6205,7 +6205,7 @@
       </p:grpSpPr>
       <p:sp>
         <p:nvSpPr>
-          <p:cNvPr id="1801562012" name="Title 1"/>
+          <p:cNvPr id="803907742" name="Title 1"/>
           <p:cNvSpPr>
             <a:spLocks noGrp="1"/>
           </p:cNvSpPr>
@@ -6245,7 +6245,7 @@
       </p:sp>
       <p:sp>
         <p:nvSpPr>
-          <p:cNvPr id="244120407" name="Content Placeholder 2"/>
+          <p:cNvPr id="1084646443" name="Content Placeholder 2"/>
           <p:cNvSpPr>
             <a:spLocks noGrp="1"/>
           </p:cNvSpPr>
@@ -6479,7 +6479,7 @@
       </p:sp>
       <p:pic>
         <p:nvPicPr>
-          <p:cNvPr id="2039719355" name="Picture 3"/>
+          <p:cNvPr id="499553899" name="Picture 3"/>
           <p:cNvPicPr>
             <a:picLocks noChangeAspect="1"/>
           </p:cNvPicPr>
@@ -6541,7 +6541,7 @@
       </p:grpSpPr>
       <p:sp>
         <p:nvSpPr>
-          <p:cNvPr id="2068565564" name="Title 1"/>
+          <p:cNvPr id="503390512" name="Title 1"/>
           <p:cNvSpPr>
             <a:spLocks noGrp="1"/>
           </p:cNvSpPr>
@@ -6581,7 +6581,7 @@
       </p:sp>
       <p:sp>
         <p:nvSpPr>
-          <p:cNvPr id="1248338570" name="Content Placeholder 2"/>
+          <p:cNvPr id="1716365082" name="Content Placeholder 2"/>
           <p:cNvSpPr>
             <a:spLocks noGrp="1"/>
           </p:cNvSpPr>
@@ -6710,7 +6710,7 @@
       </p:sp>
       <p:pic>
         <p:nvPicPr>
-          <p:cNvPr id="1026371418" name="Picture 3"/>
+          <p:cNvPr id="417038025" name="Picture 3"/>
           <p:cNvPicPr>
             <a:picLocks noChangeAspect="1"/>
           </p:cNvPicPr>
@@ -6732,7 +6732,7 @@
       </p:pic>
       <p:pic>
         <p:nvPicPr>
-          <p:cNvPr id="1671323164" name=""/>
+          <p:cNvPr id="1512027041" name=""/>
           <p:cNvPicPr>
             <a:picLocks noChangeAspect="1"/>
           </p:cNvPicPr>
@@ -6754,7 +6754,7 @@
       </p:pic>
       <p:sp>
         <p:nvSpPr>
-          <p:cNvPr id="1569510932" name=""/>
+          <p:cNvPr id="136519853" name=""/>
           <p:cNvSpPr txBox="1"/>
           <p:nvPr/>
         </p:nvSpPr>
@@ -6790,7 +6790,7 @@
       </p:sp>
       <p:sp>
         <p:nvSpPr>
-          <p:cNvPr id="1606660291" name=""/>
+          <p:cNvPr id="1823824248" name=""/>
           <p:cNvSpPr/>
           <p:nvPr/>
         </p:nvSpPr>
@@ -6893,7 +6893,7 @@
       </p:grpSpPr>
       <p:sp>
         <p:nvSpPr>
-          <p:cNvPr id="1164307869" name="Title 1"/>
+          <p:cNvPr id="277723482" name="Title 1"/>
           <p:cNvSpPr>
             <a:spLocks noGrp="1"/>
           </p:cNvSpPr>
@@ -6941,7 +6941,7 @@
       </p:sp>
       <p:sp>
         <p:nvSpPr>
-          <p:cNvPr id="1558005907" name="Content Placeholder 2"/>
+          <p:cNvPr id="1643117067" name="Content Placeholder 2"/>
           <p:cNvSpPr>
             <a:spLocks noGrp="1"/>
           </p:cNvSpPr>
@@ -7035,7 +7035,7 @@
       </p:sp>
       <p:pic>
         <p:nvPicPr>
-          <p:cNvPr id="382159301" name="Picture 3"/>
+          <p:cNvPr id="1417665242" name="Picture 3"/>
           <p:cNvPicPr>
             <a:picLocks noChangeAspect="1"/>
           </p:cNvPicPr>
@@ -7057,7 +7057,7 @@
       </p:pic>
       <p:pic>
         <p:nvPicPr>
-          <p:cNvPr id="1826455718" name=""/>
+          <p:cNvPr id="2056955443" name=""/>
           <p:cNvPicPr>
             <a:picLocks noChangeAspect="1"/>
           </p:cNvPicPr>
@@ -7079,7 +7079,7 @@
       </p:pic>
       <p:sp>
         <p:nvSpPr>
-          <p:cNvPr id="786072675" name=""/>
+          <p:cNvPr id="946521127" name=""/>
           <p:cNvSpPr txBox="1"/>
           <p:nvPr/>
         </p:nvSpPr>
@@ -7115,7 +7115,7 @@
       </p:sp>
       <p:sp>
         <p:nvSpPr>
-          <p:cNvPr id="354706862" name=""/>
+          <p:cNvPr id="632229053" name=""/>
           <p:cNvSpPr/>
           <p:nvPr/>
         </p:nvSpPr>
@@ -7151,7 +7151,7 @@
       </p:sp>
       <p:pic>
         <p:nvPicPr>
-          <p:cNvPr id="594433585" name=""/>
+          <p:cNvPr id="1195704209" name=""/>
           <p:cNvPicPr>
             <a:picLocks noChangeAspect="1"/>
           </p:cNvPicPr>
@@ -7173,7 +7173,7 @@
       </p:pic>
       <p:sp>
         <p:nvSpPr>
-          <p:cNvPr id="1809394875" name=""/>
+          <p:cNvPr id="119111734" name=""/>
           <p:cNvSpPr/>
           <p:nvPr/>
         </p:nvSpPr>
@@ -7249,7 +7249,7 @@
       </p:grpSpPr>
       <p:sp>
         <p:nvSpPr>
-          <p:cNvPr id="569143433" name="Title 1"/>
+          <p:cNvPr id="1625215484" name="Title 1"/>
           <p:cNvSpPr>
             <a:spLocks noGrp="1"/>
           </p:cNvSpPr>
@@ -7297,7 +7297,7 @@
       </p:sp>
       <p:sp>
         <p:nvSpPr>
-          <p:cNvPr id="127207593" name="Content Placeholder 2"/>
+          <p:cNvPr id="363101407" name="Content Placeholder 2"/>
           <p:cNvSpPr>
             <a:spLocks noGrp="1"/>
           </p:cNvSpPr>
@@ -7360,7 +7360,7 @@
       </p:sp>
       <p:pic>
         <p:nvPicPr>
-          <p:cNvPr id="986926978" name="Picture 3"/>
+          <p:cNvPr id="1656892242" name="Picture 3"/>
           <p:cNvPicPr>
             <a:picLocks noChangeAspect="1"/>
           </p:cNvPicPr>
@@ -7382,7 +7382,7 @@
       </p:pic>
       <p:pic>
         <p:nvPicPr>
-          <p:cNvPr id="47108049" name=""/>
+          <p:cNvPr id="1605123688" name=""/>
           <p:cNvPicPr>
             <a:picLocks noChangeAspect="1"/>
           </p:cNvPicPr>
@@ -7404,7 +7404,7 @@
       </p:pic>
       <p:sp>
         <p:nvSpPr>
-          <p:cNvPr id="803161935" name=""/>
+          <p:cNvPr id="1225323585" name=""/>
           <p:cNvSpPr txBox="1"/>
           <p:nvPr/>
         </p:nvSpPr>
@@ -7458,7 +7458,7 @@
       </p:sp>
       <p:sp>
         <p:nvSpPr>
-          <p:cNvPr id="1260732620" name=""/>
+          <p:cNvPr id="2034372358" name=""/>
           <p:cNvSpPr/>
           <p:nvPr/>
         </p:nvSpPr>
@@ -7539,7 +7539,7 @@
       </p:sp>
       <p:pic>
         <p:nvPicPr>
-          <p:cNvPr id="1206541126" name=""/>
+          <p:cNvPr id="1407839311" name=""/>
           <p:cNvPicPr>
             <a:picLocks noChangeAspect="1"/>
           </p:cNvPicPr>
@@ -7561,7 +7561,7 @@
       </p:pic>
       <p:sp>
         <p:nvSpPr>
-          <p:cNvPr id="1754995144" name=""/>
+          <p:cNvPr id="764316039" name=""/>
           <p:cNvSpPr/>
           <p:nvPr/>
         </p:nvSpPr>
@@ -7733,7 +7733,7 @@
       </p:grpSpPr>
       <p:sp>
         <p:nvSpPr>
-          <p:cNvPr id="14797967" name="Title 1"/>
+          <p:cNvPr id="1231321612" name="Title 1"/>
           <p:cNvSpPr>
             <a:spLocks noGrp="1"/>
           </p:cNvSpPr>
@@ -7781,7 +7781,7 @@
       </p:sp>
       <p:sp>
         <p:nvSpPr>
-          <p:cNvPr id="862208807" name="Content Placeholder 2"/>
+          <p:cNvPr id="1105298703" name="Content Placeholder 2"/>
           <p:cNvSpPr>
             <a:spLocks noGrp="1"/>
           </p:cNvSpPr>
@@ -7844,7 +7844,7 @@
       </p:sp>
       <p:pic>
         <p:nvPicPr>
-          <p:cNvPr id="1418383207" name="Picture 3"/>
+          <p:cNvPr id="1908031296" name="Picture 3"/>
           <p:cNvPicPr>
             <a:picLocks noChangeAspect="1"/>
           </p:cNvPicPr>
@@ -7866,7 +7866,7 @@
       </p:pic>
       <p:pic>
         <p:nvPicPr>
-          <p:cNvPr id="1821417069" name=""/>
+          <p:cNvPr id="1032175362" name=""/>
           <p:cNvPicPr>
             <a:picLocks noChangeAspect="1"/>
           </p:cNvPicPr>
@@ -7888,7 +7888,7 @@
       </p:pic>
       <p:sp>
         <p:nvSpPr>
-          <p:cNvPr id="883027013" name=""/>
+          <p:cNvPr id="644242625" name=""/>
           <p:cNvSpPr txBox="1"/>
           <p:nvPr/>
         </p:nvSpPr>
@@ -7942,7 +7942,7 @@
       </p:sp>
       <p:sp>
         <p:nvSpPr>
-          <p:cNvPr id="524597739" name=""/>
+          <p:cNvPr id="226008003" name=""/>
           <p:cNvSpPr/>
           <p:nvPr/>
         </p:nvSpPr>
@@ -8023,7 +8023,7 @@
       </p:sp>
       <p:pic>
         <p:nvPicPr>
-          <p:cNvPr id="1214707467" name=""/>
+          <p:cNvPr id="2120192575" name=""/>
           <p:cNvPicPr>
             <a:picLocks noChangeAspect="1"/>
           </p:cNvPicPr>
@@ -8045,7 +8045,7 @@
       </p:pic>
       <p:sp>
         <p:nvSpPr>
-          <p:cNvPr id="1065701789" name=""/>
+          <p:cNvPr id="293907518" name=""/>
           <p:cNvSpPr/>
           <p:nvPr/>
         </p:nvSpPr>
@@ -8217,7 +8217,7 @@
       </p:grpSpPr>
       <p:sp>
         <p:nvSpPr>
-          <p:cNvPr id="1776787568" name="Title 1"/>
+          <p:cNvPr id="114227909" name="Title 1"/>
           <p:cNvSpPr>
             <a:spLocks noGrp="1"/>
           </p:cNvSpPr>
@@ -8265,7 +8265,7 @@
       </p:sp>
       <p:sp>
         <p:nvSpPr>
-          <p:cNvPr id="326212290" name="Content Placeholder 2"/>
+          <p:cNvPr id="546619063" name="Content Placeholder 2"/>
           <p:cNvSpPr>
             <a:spLocks noGrp="1"/>
           </p:cNvSpPr>
@@ -8537,7 +8537,7 @@
       </p:sp>
       <p:pic>
         <p:nvPicPr>
-          <p:cNvPr id="1581961719" name="Picture 3"/>
+          <p:cNvPr id="224377164" name="Picture 3"/>
           <p:cNvPicPr>
             <a:picLocks noChangeAspect="1"/>
           </p:cNvPicPr>
@@ -8599,7 +8599,7 @@
       </p:grpSpPr>
       <p:sp>
         <p:nvSpPr>
-          <p:cNvPr id="1821017316" name="Title 1"/>
+          <p:cNvPr id="775022593" name="Title 1"/>
           <p:cNvSpPr>
             <a:spLocks noGrp="1"/>
           </p:cNvSpPr>
@@ -8639,7 +8639,7 @@
       </p:sp>
       <p:sp>
         <p:nvSpPr>
-          <p:cNvPr id="1706847682" name="Content Placeholder 2"/>
+          <p:cNvPr id="292896099" name="Content Placeholder 2"/>
           <p:cNvSpPr>
             <a:spLocks noGrp="1"/>
           </p:cNvSpPr>
@@ -8679,7 +8679,7 @@
       </p:sp>
       <p:pic>
         <p:nvPicPr>
-          <p:cNvPr id="1176177666" name="Picture 3"/>
+          <p:cNvPr id="1867137409" name="Picture 3"/>
           <p:cNvPicPr>
             <a:picLocks noChangeAspect="1"/>
           </p:cNvPicPr>
@@ -8701,7 +8701,7 @@
       </p:pic>
       <p:pic>
         <p:nvPicPr>
-          <p:cNvPr id="1340930126" name=""/>
+          <p:cNvPr id="2008204676" name=""/>
           <p:cNvPicPr>
             <a:picLocks noChangeAspect="1"/>
           </p:cNvPicPr>
@@ -8763,7 +8763,7 @@
       </p:grpSpPr>
       <p:sp>
         <p:nvSpPr>
-          <p:cNvPr id="1697948732" name="Title 1"/>
+          <p:cNvPr id="1228572496" name="Title 1"/>
           <p:cNvSpPr>
             <a:spLocks noGrp="1"/>
           </p:cNvSpPr>
@@ -8803,7 +8803,7 @@
       </p:sp>
       <p:sp>
         <p:nvSpPr>
-          <p:cNvPr id="1836041253" name="Content Placeholder 2"/>
+          <p:cNvPr id="1651889504" name="Content Placeholder 2"/>
           <p:cNvSpPr>
             <a:spLocks noGrp="1"/>
           </p:cNvSpPr>
@@ -8935,7 +8935,7 @@
       </p:sp>
       <p:pic>
         <p:nvPicPr>
-          <p:cNvPr id="775299065" name="Picture 3"/>
+          <p:cNvPr id="837349992" name="Picture 3"/>
           <p:cNvPicPr>
             <a:picLocks noChangeAspect="1"/>
           </p:cNvPicPr>
@@ -8957,7 +8957,7 @@
       </p:pic>
       <p:pic>
         <p:nvPicPr>
-          <p:cNvPr id="1543083744" name=""/>
+          <p:cNvPr id="2050198302" name=""/>
           <p:cNvPicPr>
             <a:picLocks noChangeAspect="1"/>
           </p:cNvPicPr>
@@ -8979,7 +8979,7 @@
       </p:pic>
       <p:pic>
         <p:nvPicPr>
-          <p:cNvPr id="58846748" name=""/>
+          <p:cNvPr id="637226573" name=""/>
           <p:cNvPicPr>
             <a:picLocks noChangeAspect="1"/>
           </p:cNvPicPr>
@@ -9001,7 +9001,7 @@
       </p:pic>
       <p:pic>
         <p:nvPicPr>
-          <p:cNvPr id="563646963" name=""/>
+          <p:cNvPr id="1570134926" name=""/>
           <p:cNvPicPr>
             <a:picLocks noChangeAspect="1"/>
           </p:cNvPicPr>
@@ -9013,7 +9013,7 @@
         </p:blipFill>
         <p:spPr bwMode="auto">
           <a:xfrm>
-            <a:off x="1522219" y="4459836"/>
+            <a:off x="1522218" y="4459836"/>
             <a:ext cx="1619249" cy="771525"/>
           </a:xfrm>
           <a:prstGeom prst="rect">
@@ -9063,7 +9063,7 @@
       </p:grpSpPr>
       <p:sp>
         <p:nvSpPr>
-          <p:cNvPr id="744998939" name="Title 1"/>
+          <p:cNvPr id="1238945334" name="Title 1"/>
           <p:cNvSpPr>
             <a:spLocks noGrp="1"/>
           </p:cNvSpPr>
@@ -9103,7 +9103,7 @@
       </p:sp>
       <p:sp>
         <p:nvSpPr>
-          <p:cNvPr id="299557700" name="Content Placeholder 2"/>
+          <p:cNvPr id="533288823" name="Content Placeholder 2"/>
           <p:cNvSpPr>
             <a:spLocks noGrp="1"/>
           </p:cNvSpPr>
@@ -9166,7 +9166,7 @@
       </p:sp>
       <p:pic>
         <p:nvPicPr>
-          <p:cNvPr id="477832910" name="Picture 3"/>
+          <p:cNvPr id="2086374258" name="Picture 3"/>
           <p:cNvPicPr>
             <a:picLocks noChangeAspect="1"/>
           </p:cNvPicPr>
@@ -9188,7 +9188,7 @@
       </p:pic>
       <p:pic>
         <p:nvPicPr>
-          <p:cNvPr id="1046169873" name=""/>
+          <p:cNvPr id="1472820824" name=""/>
           <p:cNvPicPr>
             <a:picLocks noChangeAspect="1"/>
           </p:cNvPicPr>
@@ -9210,7 +9210,7 @@
       </p:pic>
       <p:sp>
         <p:nvSpPr>
-          <p:cNvPr id="642947954" name=""/>
+          <p:cNvPr id="1354231736" name=""/>
           <p:cNvSpPr txBox="1"/>
           <p:nvPr/>
         </p:nvSpPr>
@@ -9250,7 +9250,7 @@
       </p:sp>
       <p:sp>
         <p:nvSpPr>
-          <p:cNvPr id="2024568076" name=""/>
+          <p:cNvPr id="2069597175" name=""/>
           <p:cNvSpPr/>
           <p:nvPr/>
         </p:nvSpPr>
@@ -9298,7 +9298,7 @@
       </p:sp>
       <p:pic>
         <p:nvPicPr>
-          <p:cNvPr id="753665928" name=""/>
+          <p:cNvPr id="1335007108" name=""/>
           <p:cNvPicPr>
             <a:picLocks noChangeAspect="1"/>
           </p:cNvPicPr>
@@ -9320,7 +9320,7 @@
       </p:pic>
       <p:sp>
         <p:nvSpPr>
-          <p:cNvPr id="1940220013" name=""/>
+          <p:cNvPr id="1526035840" name=""/>
           <p:cNvSpPr txBox="1"/>
           <p:nvPr/>
         </p:nvSpPr>
@@ -9356,7 +9356,7 @@
       </p:sp>
       <p:sp>
         <p:nvSpPr>
-          <p:cNvPr id="1484196998" name=""/>
+          <p:cNvPr id="1975184953" name=""/>
           <p:cNvSpPr/>
           <p:nvPr/>
         </p:nvSpPr>
@@ -9392,7 +9392,7 @@
       </p:sp>
       <p:pic>
         <p:nvPicPr>
-          <p:cNvPr id="42584371" name=""/>
+          <p:cNvPr id="352799622" name=""/>
           <p:cNvPicPr>
             <a:picLocks noChangeAspect="1"/>
           </p:cNvPicPr>
@@ -9414,7 +9414,7 @@
       </p:pic>
       <p:sp>
         <p:nvSpPr>
-          <p:cNvPr id="277166138" name=""/>
+          <p:cNvPr id="270915767" name=""/>
           <p:cNvSpPr txBox="1"/>
           <p:nvPr/>
         </p:nvSpPr>
@@ -9450,7 +9450,7 @@
       </p:sp>
       <p:sp>
         <p:nvSpPr>
-          <p:cNvPr id="1348093997" name=""/>
+          <p:cNvPr id="1980144057" name=""/>
           <p:cNvSpPr/>
           <p:nvPr/>
         </p:nvSpPr>
@@ -9531,7 +9531,7 @@
       </p:sp>
       <p:pic>
         <p:nvPicPr>
-          <p:cNvPr id="1742450639" name=""/>
+          <p:cNvPr id="626548642" name=""/>
           <p:cNvPicPr>
             <a:picLocks noChangeAspect="1"/>
           </p:cNvPicPr>
@@ -9593,7 +9593,7 @@
       </p:grpSpPr>
       <p:sp>
         <p:nvSpPr>
-          <p:cNvPr id="555688275" name="Title 1"/>
+          <p:cNvPr id="1646779788" name="Title 1"/>
           <p:cNvSpPr>
             <a:spLocks noGrp="1"/>
           </p:cNvSpPr>
@@ -9633,7 +9633,7 @@
       </p:sp>
       <p:sp>
         <p:nvSpPr>
-          <p:cNvPr id="1217877881" name="Content Placeholder 2"/>
+          <p:cNvPr id="2007396652" name="Content Placeholder 2"/>
           <p:cNvSpPr>
             <a:spLocks noGrp="1"/>
           </p:cNvSpPr>
@@ -9893,7 +9893,7 @@
       </p:sp>
       <p:pic>
         <p:nvPicPr>
-          <p:cNvPr id="2145441329" name="Picture 3"/>
+          <p:cNvPr id="718567073" name="Picture 3"/>
           <p:cNvPicPr>
             <a:picLocks noChangeAspect="1"/>
           </p:cNvPicPr>
@@ -9955,7 +9955,7 @@
       </p:grpSpPr>
       <p:sp>
         <p:nvSpPr>
-          <p:cNvPr id="506263901" name="Title 1"/>
+          <p:cNvPr id="492637450" name="Title 1"/>
           <p:cNvSpPr>
             <a:spLocks noGrp="1"/>
           </p:cNvSpPr>
@@ -9995,7 +9995,7 @@
       </p:sp>
       <p:sp>
         <p:nvSpPr>
-          <p:cNvPr id="1930684489" name="Content Placeholder 2"/>
+          <p:cNvPr id="32798701" name="Content Placeholder 2"/>
           <p:cNvSpPr>
             <a:spLocks noGrp="1"/>
           </p:cNvSpPr>
@@ -10042,7 +10042,7 @@
       </p:sp>
       <p:pic>
         <p:nvPicPr>
-          <p:cNvPr id="557922304" name="Picture 3"/>
+          <p:cNvPr id="391845767" name="Picture 3"/>
           <p:cNvPicPr>
             <a:picLocks noChangeAspect="1"/>
           </p:cNvPicPr>
@@ -10064,7 +10064,7 @@
       </p:pic>
       <p:pic>
         <p:nvPicPr>
-          <p:cNvPr id="812678817" name=""/>
+          <p:cNvPr id="1303015220" name=""/>
           <p:cNvPicPr>
             <a:picLocks noChangeAspect="1"/>
           </p:cNvPicPr>
@@ -10086,7 +10086,7 @@
       </p:pic>
       <p:sp>
         <p:nvSpPr>
-          <p:cNvPr id="765377268" name=""/>
+          <p:cNvPr id="757979525" name=""/>
           <p:cNvSpPr/>
           <p:nvPr/>
         </p:nvSpPr>
@@ -10121,7 +10121,7 @@
       </p:sp>
       <p:pic>
         <p:nvPicPr>
-          <p:cNvPr id="1368139479" name=""/>
+          <p:cNvPr id="994529051" name=""/>
           <p:cNvPicPr>
             <a:picLocks noChangeAspect="1"/>
           </p:cNvPicPr>
@@ -10183,7 +10183,7 @@
       </p:grpSpPr>
       <p:sp>
         <p:nvSpPr>
-          <p:cNvPr id="1533724429" name="Title 1"/>
+          <p:cNvPr id="1539281608" name="Title 1"/>
           <p:cNvSpPr>
             <a:spLocks noGrp="1"/>
           </p:cNvSpPr>
@@ -10223,7 +10223,7 @@
       </p:sp>
       <p:sp>
         <p:nvSpPr>
-          <p:cNvPr id="316801685" name="Content Placeholder 2"/>
+          <p:cNvPr id="1099321499" name="Content Placeholder 2"/>
           <p:cNvSpPr>
             <a:spLocks noGrp="1"/>
           </p:cNvSpPr>
@@ -10270,7 +10270,7 @@
       </p:sp>
       <p:pic>
         <p:nvPicPr>
-          <p:cNvPr id="458151693" name="Picture 3"/>
+          <p:cNvPr id="430636624" name="Picture 3"/>
           <p:cNvPicPr>
             <a:picLocks noChangeAspect="1"/>
           </p:cNvPicPr>
@@ -10292,7 +10292,7 @@
       </p:pic>
       <p:graphicFrame>
         <p:nvGraphicFramePr>
-          <p:cNvPr id="867472166" name=""/>
+          <p:cNvPr id="541029236" name=""/>
           <p:cNvGraphicFramePr>
             <a:graphicFrameLocks xmlns:a="http://schemas.openxmlformats.org/drawingml/2006/main"/>
           </p:cNvGraphicFramePr>
@@ -12287,7 +12287,7 @@
       </p:graphicFrame>
       <p:sp>
         <p:nvSpPr>
-          <p:cNvPr id="1901783438" name=""/>
+          <p:cNvPr id="541668137" name=""/>
           <p:cNvSpPr txBox="1"/>
           <p:nvPr/>
         </p:nvSpPr>
@@ -12323,7 +12323,7 @@
       </p:sp>
       <p:pic>
         <p:nvPicPr>
-          <p:cNvPr id="1238889909" name=""/>
+          <p:cNvPr id="776768398" name=""/>
           <p:cNvPicPr>
             <a:picLocks noChangeAspect="1"/>
           </p:cNvPicPr>
@@ -12385,7 +12385,7 @@
       </p:grpSpPr>
       <p:sp>
         <p:nvSpPr>
-          <p:cNvPr id="473028524" name="Title 1"/>
+          <p:cNvPr id="2098307233" name="Title 1"/>
           <p:cNvSpPr>
             <a:spLocks noGrp="1"/>
           </p:cNvSpPr>
@@ -12423,7 +12423,7 @@
       </p:sp>
       <p:sp>
         <p:nvSpPr>
-          <p:cNvPr id="1515707998" name="Content Placeholder 2"/>
+          <p:cNvPr id="1171587901" name="Content Placeholder 2"/>
           <p:cNvSpPr>
             <a:spLocks noGrp="1"/>
           </p:cNvSpPr>
@@ -12677,7 +12677,7 @@
       </p:sp>
       <p:pic>
         <p:nvPicPr>
-          <p:cNvPr id="1813155730" name="Picture 3"/>
+          <p:cNvPr id="1777214174" name="Picture 3"/>
           <p:cNvPicPr>
             <a:picLocks noChangeAspect="1"/>
           </p:cNvPicPr>
@@ -12699,7 +12699,7 @@
       </p:pic>
       <p:sp>
         <p:nvSpPr>
-          <p:cNvPr id="1917278594" name=""/>
+          <p:cNvPr id="234288164" name=""/>
           <p:cNvSpPr txBox="1"/>
           <p:nvPr/>
         </p:nvSpPr>
@@ -12725,6 +12725,28 @@
           </a:p>
         </p:txBody>
       </p:sp>
+      <p:pic>
+        <p:nvPicPr>
+          <p:cNvPr id="41504227" name=""/>
+          <p:cNvPicPr>
+            <a:picLocks noChangeAspect="1"/>
+          </p:cNvPicPr>
+          <p:nvPr/>
+        </p:nvPicPr>
+        <p:blipFill>
+          <a:blip r:embed="rId4"/>
+          <a:stretch/>
+        </p:blipFill>
+        <p:spPr bwMode="auto">
+          <a:xfrm flipH="0" flipV="0">
+            <a:off x="9010769" y="3479257"/>
+            <a:ext cx="2545290" cy="2800125"/>
+          </a:xfrm>
+          <a:prstGeom prst="rect">
+            <a:avLst/>
+          </a:prstGeom>
+        </p:spPr>
+      </p:pic>
     </p:spTree>
   </p:cSld>
   <p:clrMapOvr>
@@ -12767,7 +12789,7 @@
       </p:grpSpPr>
       <p:sp>
         <p:nvSpPr>
-          <p:cNvPr id="572818717" name="Title 1"/>
+          <p:cNvPr id="622162417" name="Title 1"/>
           <p:cNvSpPr>
             <a:spLocks noGrp="1"/>
           </p:cNvSpPr>
@@ -12777,7 +12799,7 @@
         </p:nvSpPr>
         <p:spPr bwMode="auto">
           <a:xfrm>
-            <a:off x="295033" y="42545"/>
+            <a:off x="194067" y="-64277"/>
             <a:ext cx="10515600" cy="1325559"/>
           </a:xfrm>
         </p:spPr>
@@ -12805,7 +12827,7 @@
       </p:sp>
       <p:sp>
         <p:nvSpPr>
-          <p:cNvPr id="300830942" name="Content Placeholder 2"/>
+          <p:cNvPr id="1312744702" name="Content Placeholder 2"/>
           <p:cNvSpPr>
             <a:spLocks noGrp="1"/>
           </p:cNvSpPr>
@@ -12815,7 +12837,7 @@
         </p:nvSpPr>
         <p:spPr bwMode="auto">
           <a:xfrm flipH="0" flipV="0">
-            <a:off x="194068" y="1210214"/>
+            <a:off x="194067" y="1094489"/>
             <a:ext cx="11620618" cy="5982711"/>
           </a:xfrm>
         </p:spPr>
@@ -13256,7 +13278,7 @@
       </p:sp>
       <p:pic>
         <p:nvPicPr>
-          <p:cNvPr id="1552432103" name="Picture 3"/>
+          <p:cNvPr id="1585129462" name="Picture 3"/>
           <p:cNvPicPr>
             <a:picLocks noChangeAspect="1"/>
           </p:cNvPicPr>
@@ -13278,7 +13300,7 @@
       </p:pic>
       <p:sp>
         <p:nvSpPr>
-          <p:cNvPr id="2032064622" name=""/>
+          <p:cNvPr id="30547246" name=""/>
           <p:cNvSpPr txBox="1"/>
           <p:nvPr/>
         </p:nvSpPr>
@@ -13300,6 +13322,81 @@
             <a:pPr algn="l">
               <a:defRPr/>
             </a:pPr>
+            <a:endParaRPr/>
+          </a:p>
+        </p:txBody>
+      </p:sp>
+      <p:sp>
+        <p:nvSpPr>
+          <p:cNvPr id="652004949" name=""/>
+          <p:cNvSpPr txBox="1"/>
+          <p:nvPr/>
+        </p:nvSpPr>
+        <p:spPr bwMode="auto">
+          <a:xfrm flipH="0" flipV="0">
+            <a:off x="756862" y="6468596"/>
+            <a:ext cx="2862434" cy="365759"/>
+          </a:xfrm>
+          <a:prstGeom prst="rect">
+            <a:avLst/>
+          </a:prstGeom>
+          <a:noFill/>
+        </p:spPr>
+        <p:txBody>
+          <a:bodyPr vertOverflow="overflow" horzOverflow="overflow" vert="horz" wrap="square" lIns="91440" tIns="45720" rIns="91440" bIns="45720" numCol="1" spcCol="0" rtlCol="0" fromWordArt="0" anchor="t" anchorCtr="0" forceAA="0" upright="0" compatLnSpc="0">
+            <a:spAutoFit/>
+          </a:bodyPr>
+          <a:p>
+            <a:pPr algn="l">
+              <a:defRPr/>
+            </a:pPr>
+            <a:r>
+              <a:rPr b="0" i="0" u="none">
+                <a:solidFill>
+                  <a:schemeClr val="bg1"/>
+                </a:solidFill>
+                <a:latin typeface="Times New Roman"/>
+                <a:ea typeface="Times New Roman"/>
+                <a:cs typeface="Times New Roman"/>
+              </a:rPr>
+              <a:t>Lesson Code – GitHub URL:</a:t>
+            </a:r>
+            <a:endParaRPr/>
+          </a:p>
+        </p:txBody>
+      </p:sp>
+      <p:sp>
+        <p:nvSpPr>
+          <p:cNvPr id="1741333150" name=""/>
+          <p:cNvSpPr txBox="1"/>
+          <p:nvPr/>
+        </p:nvSpPr>
+        <p:spPr bwMode="auto">
+          <a:xfrm flipH="0" flipV="0">
+            <a:off x="4434967" y="6100415"/>
+            <a:ext cx="7379717" cy="640440"/>
+          </a:xfrm>
+          <a:prstGeom prst="rect">
+            <a:avLst/>
+          </a:prstGeom>
+          <a:noFill/>
+        </p:spPr>
+        <p:txBody>
+          <a:bodyPr vertOverflow="overflow" horzOverflow="overflow" vert="horz" wrap="square" lIns="91440" tIns="45720" rIns="91440" bIns="45720" numCol="1" spcCol="0" rtlCol="0" fromWordArt="0" anchor="t" anchorCtr="0" forceAA="0" upright="0" compatLnSpc="0">
+            <a:spAutoFit/>
+          </a:bodyPr>
+          <a:p>
+            <a:pPr algn="l">
+              <a:defRPr/>
+            </a:pPr>
+            <a:r>
+              <a:rPr>
+                <a:solidFill>
+                  <a:schemeClr val="bg1"/>
+                </a:solidFill>
+              </a:rPr>
+              <a:t>https://github.com/info-zas/zas-robotics-car-3-encoders-imu-gps/tree/main/01_FoundationProjects/04_Car-3_Constant_Speed_1M</a:t>
+            </a:r>
             <a:endParaRPr/>
           </a:p>
         </p:txBody>
@@ -13346,7 +13443,7 @@
       </p:grpSpPr>
       <p:sp>
         <p:nvSpPr>
-          <p:cNvPr id="2059263020" name="Title 1"/>
+          <p:cNvPr id="1248154688" name="Title 1"/>
           <p:cNvSpPr>
             <a:spLocks noGrp="1"/>
           </p:cNvSpPr>
@@ -13381,7 +13478,7 @@
       </p:sp>
       <p:sp>
         <p:nvSpPr>
-          <p:cNvPr id="707112080" name="Content Placeholder 2"/>
+          <p:cNvPr id="1123954442" name="Content Placeholder 2"/>
           <p:cNvSpPr>
             <a:spLocks noGrp="1"/>
           </p:cNvSpPr>
@@ -13463,7 +13560,7 @@
       </p:sp>
       <p:pic>
         <p:nvPicPr>
-          <p:cNvPr id="1555605031" name="Picture 3"/>
+          <p:cNvPr id="1722981424" name="Picture 3"/>
           <p:cNvPicPr>
             <a:picLocks noChangeAspect="1"/>
           </p:cNvPicPr>
@@ -13525,7 +13622,7 @@
       </p:grpSpPr>
       <p:sp>
         <p:nvSpPr>
-          <p:cNvPr id="626393737" name="Title 1"/>
+          <p:cNvPr id="1978740576" name="Title 1"/>
           <p:cNvSpPr>
             <a:spLocks noGrp="1"/>
           </p:cNvSpPr>
@@ -13565,7 +13662,7 @@
       </p:sp>
       <p:sp>
         <p:nvSpPr>
-          <p:cNvPr id="1702415972" name="Content Placeholder 2"/>
+          <p:cNvPr id="149186697" name="Content Placeholder 2"/>
           <p:cNvSpPr>
             <a:spLocks noGrp="1"/>
           </p:cNvSpPr>
@@ -13753,7 +13850,7 @@
       </p:sp>
       <p:pic>
         <p:nvPicPr>
-          <p:cNvPr id="732657606" name="Picture 3"/>
+          <p:cNvPr id="1311141699" name="Picture 3"/>
           <p:cNvPicPr>
             <a:picLocks noChangeAspect="1"/>
           </p:cNvPicPr>
@@ -13815,7 +13912,7 @@
       </p:grpSpPr>
       <p:sp>
         <p:nvSpPr>
-          <p:cNvPr id="2128470896" name="Title 1"/>
+          <p:cNvPr id="125299927" name="Title 1"/>
           <p:cNvSpPr>
             <a:spLocks noGrp="1"/>
           </p:cNvSpPr>
@@ -13855,7 +13952,7 @@
       </p:sp>
       <p:sp>
         <p:nvSpPr>
-          <p:cNvPr id="360050133" name="Content Placeholder 2"/>
+          <p:cNvPr id="1704231874" name="Content Placeholder 2"/>
           <p:cNvSpPr>
             <a:spLocks noGrp="1"/>
           </p:cNvSpPr>
@@ -13921,7 +14018,7 @@
       </p:sp>
       <p:pic>
         <p:nvPicPr>
-          <p:cNvPr id="1923357689" name="Picture 3"/>
+          <p:cNvPr id="1945270763" name="Picture 3"/>
           <p:cNvPicPr>
             <a:picLocks noChangeAspect="1"/>
           </p:cNvPicPr>
@@ -13943,7 +14040,7 @@
       </p:pic>
       <p:graphicFrame>
         <p:nvGraphicFramePr>
-          <p:cNvPr id="219007190" name=""/>
+          <p:cNvPr id="115402862" name=""/>
           <p:cNvGraphicFramePr>
             <a:graphicFrameLocks xmlns:a="http://schemas.openxmlformats.org/drawingml/2006/main"/>
           </p:cNvGraphicFramePr>
@@ -15266,7 +15363,7 @@
       </p:grpSpPr>
       <p:sp>
         <p:nvSpPr>
-          <p:cNvPr id="621282670" name="Title 1"/>
+          <p:cNvPr id="2101491915" name="Title 1"/>
           <p:cNvSpPr>
             <a:spLocks noGrp="1"/>
           </p:cNvSpPr>
@@ -15314,7 +15411,7 @@
       </p:sp>
       <p:sp>
         <p:nvSpPr>
-          <p:cNvPr id="1898551989" name="Content Placeholder 2"/>
+          <p:cNvPr id="1912127972" name="Content Placeholder 2"/>
           <p:cNvSpPr>
             <a:spLocks noGrp="1"/>
           </p:cNvSpPr>
@@ -15592,7 +15689,7 @@
       </p:sp>
       <p:pic>
         <p:nvPicPr>
-          <p:cNvPr id="71321312" name="Picture 3"/>
+          <p:cNvPr id="661174748" name="Picture 3"/>
           <p:cNvPicPr>
             <a:picLocks noChangeAspect="1"/>
           </p:cNvPicPr>
@@ -15654,7 +15751,7 @@
       </p:grpSpPr>
       <p:sp>
         <p:nvSpPr>
-          <p:cNvPr id="1468387077" name="Title 1"/>
+          <p:cNvPr id="1838298352" name="Title 1"/>
           <p:cNvSpPr>
             <a:spLocks noGrp="1"/>
           </p:cNvSpPr>
@@ -15694,7 +15791,7 @@
       </p:sp>
       <p:sp>
         <p:nvSpPr>
-          <p:cNvPr id="185985406" name="Content Placeholder 2"/>
+          <p:cNvPr id="1860505634" name="Content Placeholder 2"/>
           <p:cNvSpPr>
             <a:spLocks noGrp="1"/>
           </p:cNvSpPr>
@@ -15967,7 +16064,7 @@
       </p:sp>
       <p:pic>
         <p:nvPicPr>
-          <p:cNvPr id="688015528" name="Picture 3"/>
+          <p:cNvPr id="1670002631" name="Picture 3"/>
           <p:cNvPicPr>
             <a:picLocks noChangeAspect="1"/>
           </p:cNvPicPr>
@@ -16029,7 +16126,7 @@
       </p:grpSpPr>
       <p:sp>
         <p:nvSpPr>
-          <p:cNvPr id="503792270" name="Title 1"/>
+          <p:cNvPr id="1221469841" name="Title 1"/>
           <p:cNvSpPr>
             <a:spLocks noGrp="1"/>
           </p:cNvSpPr>
@@ -16069,7 +16166,7 @@
       </p:sp>
       <p:sp>
         <p:nvSpPr>
-          <p:cNvPr id="1742817197" name="Content Placeholder 2"/>
+          <p:cNvPr id="648233279" name="Content Placeholder 2"/>
           <p:cNvSpPr>
             <a:spLocks noGrp="1"/>
           </p:cNvSpPr>
@@ -16216,7 +16313,7 @@
       </p:sp>
       <p:pic>
         <p:nvPicPr>
-          <p:cNvPr id="725485341" name="Picture 3"/>
+          <p:cNvPr id="32489841" name="Picture 3"/>
           <p:cNvPicPr>
             <a:picLocks noChangeAspect="1"/>
           </p:cNvPicPr>
@@ -16238,7 +16335,7 @@
       </p:pic>
       <p:pic>
         <p:nvPicPr>
-          <p:cNvPr id="1367651040" name=""/>
+          <p:cNvPr id="1977241366" name=""/>
           <p:cNvPicPr>
             <a:picLocks noChangeAspect="1"/>
           </p:cNvPicPr>
@@ -16250,7 +16347,7 @@
         </p:blipFill>
         <p:spPr bwMode="auto">
           <a:xfrm flipH="0" flipV="0">
-            <a:off x="3231378" y="3227572"/>
+            <a:off x="3231377" y="3227572"/>
             <a:ext cx="3124199" cy="809135"/>
           </a:xfrm>
           <a:prstGeom prst="rect">
@@ -16260,7 +16357,7 @@
       </p:pic>
       <p:sp>
         <p:nvSpPr>
-          <p:cNvPr id="579188241" name=""/>
+          <p:cNvPr id="971564435" name=""/>
           <p:cNvSpPr/>
           <p:nvPr/>
         </p:nvSpPr>
@@ -16296,7 +16393,7 @@
       </p:sp>
       <p:pic>
         <p:nvPicPr>
-          <p:cNvPr id="1560010591" name=""/>
+          <p:cNvPr id="1226341423" name=""/>
           <p:cNvPicPr>
             <a:picLocks noChangeAspect="1"/>
           </p:cNvPicPr>
@@ -16318,7 +16415,7 @@
       </p:pic>
       <p:sp>
         <p:nvSpPr>
-          <p:cNvPr id="1035749255" name=""/>
+          <p:cNvPr id="375294687" name=""/>
           <p:cNvSpPr/>
           <p:nvPr/>
         </p:nvSpPr>
@@ -16405,7 +16502,7 @@
       </p:grpSpPr>
       <p:sp>
         <p:nvSpPr>
-          <p:cNvPr id="116364261" name="Title 1"/>
+          <p:cNvPr id="890153053" name="Title 1"/>
           <p:cNvSpPr>
             <a:spLocks noGrp="1"/>
           </p:cNvSpPr>
@@ -16445,7 +16542,7 @@
       </p:sp>
       <p:sp>
         <p:nvSpPr>
-          <p:cNvPr id="100368358" name="Content Placeholder 2"/>
+          <p:cNvPr id="1647744984" name="Content Placeholder 2"/>
           <p:cNvSpPr>
             <a:spLocks noGrp="1"/>
           </p:cNvSpPr>
@@ -16496,7 +16593,7 @@
       </p:sp>
       <p:pic>
         <p:nvPicPr>
-          <p:cNvPr id="2021864056" name="Picture 3"/>
+          <p:cNvPr id="130191148" name="Picture 3"/>
           <p:cNvPicPr>
             <a:picLocks noChangeAspect="1"/>
           </p:cNvPicPr>
@@ -16518,7 +16615,7 @@
       </p:pic>
       <p:pic>
         <p:nvPicPr>
-          <p:cNvPr id="128090457" name=""/>
+          <p:cNvPr id="1929221942" name=""/>
           <p:cNvPicPr>
             <a:picLocks noChangeAspect="1"/>
           </p:cNvPicPr>
@@ -16540,13 +16637,13 @@
       </p:pic>
       <p:sp>
         <p:nvSpPr>
-          <p:cNvPr id="163810064" name=""/>
+          <p:cNvPr id="2047803179" name=""/>
           <p:cNvSpPr/>
           <p:nvPr/>
         </p:nvSpPr>
         <p:spPr bwMode="auto">
           <a:xfrm flipH="0" flipV="0">
-            <a:off x="488316" y="2837777"/>
+            <a:off x="488316" y="2837776"/>
             <a:ext cx="8248927" cy="2652120"/>
           </a:xfrm>
         </p:spPr>
@@ -16741,7 +16838,7 @@
       </p:grpSpPr>
       <p:sp>
         <p:nvSpPr>
-          <p:cNvPr id="748373972" name="Title 1"/>
+          <p:cNvPr id="1878278717" name="Title 1"/>
           <p:cNvSpPr>
             <a:spLocks noGrp="1"/>
           </p:cNvSpPr>
@@ -16781,7 +16878,7 @@
       </p:sp>
       <p:sp>
         <p:nvSpPr>
-          <p:cNvPr id="1379868785" name="Content Placeholder 2"/>
+          <p:cNvPr id="1975664601" name="Content Placeholder 2"/>
           <p:cNvSpPr>
             <a:spLocks noGrp="1"/>
           </p:cNvSpPr>
@@ -16867,7 +16964,7 @@
       </p:sp>
       <p:pic>
         <p:nvPicPr>
-          <p:cNvPr id="1957846878" name="Picture 3"/>
+          <p:cNvPr id="614302040" name="Picture 3"/>
           <p:cNvPicPr>
             <a:picLocks noChangeAspect="1"/>
           </p:cNvPicPr>
@@ -16889,7 +16986,7 @@
       </p:pic>
       <p:pic>
         <p:nvPicPr>
-          <p:cNvPr id="846511574" name=""/>
+          <p:cNvPr id="477804928" name=""/>
           <p:cNvPicPr>
             <a:picLocks noChangeAspect="1"/>
           </p:cNvPicPr>
@@ -16911,7 +17008,7 @@
       </p:pic>
       <p:sp>
         <p:nvSpPr>
-          <p:cNvPr id="2016295860" name=""/>
+          <p:cNvPr id="260849480" name=""/>
           <p:cNvSpPr/>
           <p:nvPr/>
         </p:nvSpPr>
